--- a/diplom/презентация к отчету.pptx
+++ b/diplom/презентация к отчету.pptx
@@ -5,13 +5,28 @@
     <p:sldMasterId id="2147483684" r:id="rId1"/>
   </p:sldMasterIdLst>
   <p:notesMasterIdLst>
-    <p:notesMasterId r:id="rId6"/>
+    <p:notesMasterId r:id="rId21"/>
   </p:notesMasterIdLst>
   <p:sldIdLst>
     <p:sldId id="256" r:id="rId2"/>
     <p:sldId id="257" r:id="rId3"/>
     <p:sldId id="258" r:id="rId4"/>
     <p:sldId id="259" r:id="rId5"/>
+    <p:sldId id="267" r:id="rId6"/>
+    <p:sldId id="260" r:id="rId7"/>
+    <p:sldId id="261" r:id="rId8"/>
+    <p:sldId id="262" r:id="rId9"/>
+    <p:sldId id="263" r:id="rId10"/>
+    <p:sldId id="264" r:id="rId11"/>
+    <p:sldId id="265" r:id="rId12"/>
+    <p:sldId id="266" r:id="rId13"/>
+    <p:sldId id="268" r:id="rId14"/>
+    <p:sldId id="269" r:id="rId15"/>
+    <p:sldId id="270" r:id="rId16"/>
+    <p:sldId id="271" r:id="rId17"/>
+    <p:sldId id="272" r:id="rId18"/>
+    <p:sldId id="273" r:id="rId19"/>
+    <p:sldId id="274" r:id="rId20"/>
   </p:sldIdLst>
   <p:sldSz cx="9144000" cy="6858000" type="screen4x3"/>
   <p:notesSz cx="6858000" cy="9144000"/>
@@ -115,6 +130,7 @@
 
 <file path=ppt/charts/chart1.xml><?xml version="1.0" encoding="utf-8"?>
 <c:chartSpace xmlns:c="http://schemas.openxmlformats.org/drawingml/2006/chart" xmlns:a="http://schemas.openxmlformats.org/drawingml/2006/main" xmlns:r="http://schemas.openxmlformats.org/officeDocument/2006/relationships">
+  <c:date1904 val="1"/>
   <c:lang val="ru-RU"/>
   <c:chart>
     <c:title>
@@ -147,9 +163,9 @@
           <c:xMode val="edge"/>
           <c:yMode val="edge"/>
           <c:x val="1.6696397532890622E-2"/>
-          <c:y val="0.24731418731252086"/>
-          <c:w val="0.46171437940587245"/>
-          <c:h val="0.63613981162586875"/>
+          <c:y val="0.24731418731252092"/>
+          <c:w val="0.46171437940587251"/>
+          <c:h val="0.63613981162586886"/>
         </c:manualLayout>
       </c:layout>
       <c:pieChart>
@@ -215,10 +231,10 @@
         <c:manualLayout>
           <c:xMode val="edge"/>
           <c:yMode val="edge"/>
-          <c:x val="0.49795856015998224"/>
-          <c:y val="0.26828827962204743"/>
-          <c:w val="0.47075011378664017"/>
-          <c:h val="0.61617777725816636"/>
+          <c:x val="0.49795856015998241"/>
+          <c:y val="0.26828827962204754"/>
+          <c:w val="0.47075011378664022"/>
+          <c:h val="0.61617777725816658"/>
         </c:manualLayout>
       </c:layout>
     </c:legend>
@@ -286,7 +302,7 @@
                   <c:v>2300</c:v>
                 </c:pt>
                 <c:pt idx="1">
-                  <c:v>2200</c:v>
+                  <c:v>2700</c:v>
                 </c:pt>
               </c:numCache>
             </c:numRef>
@@ -328,7 +344,7 @@
                 <c:formatCode>General</c:formatCode>
                 <c:ptCount val="2"/>
                 <c:pt idx="0">
-                  <c:v>2700</c:v>
+                  <c:v>2200</c:v>
                 </c:pt>
                 <c:pt idx="1">
                   <c:v>2600</c:v>
@@ -337,25 +353,25 @@
             </c:numRef>
           </c:val>
         </c:ser>
-        <c:axId val="63977728"/>
-        <c:axId val="64710912"/>
+        <c:axId val="115932160"/>
+        <c:axId val="118424320"/>
       </c:barChart>
       <c:catAx>
-        <c:axId val="63977728"/>
+        <c:axId val="115932160"/>
         <c:scaling>
           <c:orientation val="minMax"/>
         </c:scaling>
         <c:axPos val="b"/>
         <c:numFmt formatCode="General" sourceLinked="1"/>
         <c:tickLblPos val="nextTo"/>
-        <c:crossAx val="64710912"/>
+        <c:crossAx val="118424320"/>
         <c:crosses val="autoZero"/>
         <c:auto val="1"/>
         <c:lblAlgn val="ctr"/>
         <c:lblOffset val="100"/>
       </c:catAx>
       <c:valAx>
-        <c:axId val="64710912"/>
+        <c:axId val="118424320"/>
         <c:scaling>
           <c:orientation val="minMax"/>
         </c:scaling>
@@ -363,7 +379,7 @@
         <c:majorGridlines/>
         <c:numFmt formatCode="General" sourceLinked="1"/>
         <c:tickLblPos val="nextTo"/>
-        <c:crossAx val="63977728"/>
+        <c:crossAx val="115932160"/>
         <c:crosses val="autoZero"/>
         <c:crossBetween val="between"/>
       </c:valAx>
@@ -8263,6 +8279,1166 @@
 </p:sld>
 </file>
 
+<file path=ppt/slides/slide10.xml><?xml version="1.0" encoding="utf-8"?>
+<p:sld xmlns:a="http://schemas.openxmlformats.org/drawingml/2006/main" xmlns:r="http://schemas.openxmlformats.org/officeDocument/2006/relationships" xmlns:p="http://schemas.openxmlformats.org/presentationml/2006/main">
+  <p:cSld>
+    <p:spTree>
+      <p:nvGrpSpPr>
+        <p:cNvPr id="1" name=""/>
+        <p:cNvGrpSpPr/>
+        <p:nvPr/>
+      </p:nvGrpSpPr>
+      <p:grpSpPr>
+        <a:xfrm>
+          <a:off x="0" y="0"/>
+          <a:ext cx="0" cy="0"/>
+          <a:chOff x="0" y="0"/>
+          <a:chExt cx="0" cy="0"/>
+        </a:xfrm>
+      </p:grpSpPr>
+      <p:sp>
+        <p:nvSpPr>
+          <p:cNvPr id="2" name="Заголовок 1"/>
+          <p:cNvSpPr>
+            <a:spLocks noGrp="1"/>
+          </p:cNvSpPr>
+          <p:nvPr>
+            <p:ph type="title"/>
+          </p:nvPr>
+        </p:nvSpPr>
+        <p:spPr/>
+        <p:txBody>
+          <a:bodyPr/>
+          <a:lstStyle/>
+          <a:p>
+            <a:endParaRPr lang="ru-RU"/>
+          </a:p>
+        </p:txBody>
+      </p:sp>
+      <p:sp>
+        <p:nvSpPr>
+          <p:cNvPr id="3" name="Содержимое 2"/>
+          <p:cNvSpPr>
+            <a:spLocks noGrp="1"/>
+          </p:cNvSpPr>
+          <p:nvPr>
+            <p:ph idx="1"/>
+          </p:nvPr>
+        </p:nvSpPr>
+        <p:spPr/>
+        <p:txBody>
+          <a:bodyPr/>
+          <a:lstStyle/>
+          <a:p>
+            <a:endParaRPr lang="ru-RU"/>
+          </a:p>
+        </p:txBody>
+      </p:sp>
+      <p:sp>
+        <p:nvSpPr>
+          <p:cNvPr id="4" name="Номер слайда 3"/>
+          <p:cNvSpPr>
+            <a:spLocks noGrp="1"/>
+          </p:cNvSpPr>
+          <p:nvPr>
+            <p:ph type="sldNum" sz="quarter" idx="12"/>
+          </p:nvPr>
+        </p:nvSpPr>
+        <p:spPr/>
+        <p:txBody>
+          <a:bodyPr/>
+          <a:lstStyle/>
+          <a:p>
+            <a:fld id="{0EC1B211-457E-4361-983F-013AFA25B34F}" type="slidenum">
+              <a:rPr lang="ru-RU" smtClean="0"/>
+              <a:pPr/>
+              <a:t>10</a:t>
+            </a:fld>
+            <a:endParaRPr lang="ru-RU"/>
+          </a:p>
+        </p:txBody>
+      </p:sp>
+      <p:pic>
+        <p:nvPicPr>
+          <p:cNvPr id="5123" name="Picture 3"/>
+          <p:cNvPicPr>
+            <a:picLocks noChangeAspect="1" noChangeArrowheads="1"/>
+          </p:cNvPicPr>
+          <p:nvPr/>
+        </p:nvPicPr>
+        <p:blipFill>
+          <a:blip r:embed="rId2" cstate="print"/>
+          <a:srcRect/>
+          <a:stretch>
+            <a:fillRect/>
+          </a:stretch>
+        </p:blipFill>
+        <p:spPr bwMode="auto">
+          <a:xfrm>
+            <a:off x="0" y="0"/>
+            <a:ext cx="9144000" cy="6858000"/>
+          </a:xfrm>
+          <a:prstGeom prst="rect">
+            <a:avLst/>
+          </a:prstGeom>
+          <a:noFill/>
+          <a:ln w="9525">
+            <a:noFill/>
+            <a:miter lim="800000"/>
+            <a:headEnd/>
+            <a:tailEnd/>
+          </a:ln>
+        </p:spPr>
+      </p:pic>
+    </p:spTree>
+  </p:cSld>
+  <p:clrMapOvr>
+    <a:masterClrMapping/>
+  </p:clrMapOvr>
+</p:sld>
+</file>
+
+<file path=ppt/slides/slide11.xml><?xml version="1.0" encoding="utf-8"?>
+<p:sld xmlns:a="http://schemas.openxmlformats.org/drawingml/2006/main" xmlns:r="http://schemas.openxmlformats.org/officeDocument/2006/relationships" xmlns:p="http://schemas.openxmlformats.org/presentationml/2006/main">
+  <p:cSld>
+    <p:spTree>
+      <p:nvGrpSpPr>
+        <p:cNvPr id="1" name=""/>
+        <p:cNvGrpSpPr/>
+        <p:nvPr/>
+      </p:nvGrpSpPr>
+      <p:grpSpPr>
+        <a:xfrm>
+          <a:off x="0" y="0"/>
+          <a:ext cx="0" cy="0"/>
+          <a:chOff x="0" y="0"/>
+          <a:chExt cx="0" cy="0"/>
+        </a:xfrm>
+      </p:grpSpPr>
+      <p:sp>
+        <p:nvSpPr>
+          <p:cNvPr id="2" name="Заголовок 1"/>
+          <p:cNvSpPr>
+            <a:spLocks noGrp="1"/>
+          </p:cNvSpPr>
+          <p:nvPr>
+            <p:ph type="title"/>
+          </p:nvPr>
+        </p:nvSpPr>
+        <p:spPr/>
+        <p:txBody>
+          <a:bodyPr/>
+          <a:lstStyle/>
+          <a:p>
+            <a:endParaRPr lang="ru-RU"/>
+          </a:p>
+        </p:txBody>
+      </p:sp>
+      <p:sp>
+        <p:nvSpPr>
+          <p:cNvPr id="3" name="Содержимое 2"/>
+          <p:cNvSpPr>
+            <a:spLocks noGrp="1"/>
+          </p:cNvSpPr>
+          <p:nvPr>
+            <p:ph idx="1"/>
+          </p:nvPr>
+        </p:nvSpPr>
+        <p:spPr/>
+        <p:txBody>
+          <a:bodyPr/>
+          <a:lstStyle/>
+          <a:p>
+            <a:endParaRPr lang="ru-RU"/>
+          </a:p>
+        </p:txBody>
+      </p:sp>
+      <p:sp>
+        <p:nvSpPr>
+          <p:cNvPr id="4" name="Номер слайда 3"/>
+          <p:cNvSpPr>
+            <a:spLocks noGrp="1"/>
+          </p:cNvSpPr>
+          <p:nvPr>
+            <p:ph type="sldNum" sz="quarter" idx="12"/>
+          </p:nvPr>
+        </p:nvSpPr>
+        <p:spPr/>
+        <p:txBody>
+          <a:bodyPr/>
+          <a:lstStyle/>
+          <a:p>
+            <a:fld id="{0EC1B211-457E-4361-983F-013AFA25B34F}" type="slidenum">
+              <a:rPr lang="ru-RU" smtClean="0"/>
+              <a:pPr/>
+              <a:t>11</a:t>
+            </a:fld>
+            <a:endParaRPr lang="ru-RU"/>
+          </a:p>
+        </p:txBody>
+      </p:sp>
+      <p:pic>
+        <p:nvPicPr>
+          <p:cNvPr id="6149" name="Picture 5"/>
+          <p:cNvPicPr>
+            <a:picLocks noChangeAspect="1" noChangeArrowheads="1"/>
+          </p:cNvPicPr>
+          <p:nvPr/>
+        </p:nvPicPr>
+        <p:blipFill>
+          <a:blip r:embed="rId2" cstate="print"/>
+          <a:srcRect/>
+          <a:stretch>
+            <a:fillRect/>
+          </a:stretch>
+        </p:blipFill>
+        <p:spPr bwMode="auto">
+          <a:xfrm>
+            <a:off x="0" y="-1"/>
+            <a:ext cx="9144000" cy="6858001"/>
+          </a:xfrm>
+          <a:prstGeom prst="rect">
+            <a:avLst/>
+          </a:prstGeom>
+          <a:noFill/>
+          <a:ln w="9525">
+            <a:noFill/>
+            <a:miter lim="800000"/>
+            <a:headEnd/>
+            <a:tailEnd/>
+          </a:ln>
+        </p:spPr>
+      </p:pic>
+    </p:spTree>
+  </p:cSld>
+  <p:clrMapOvr>
+    <a:masterClrMapping/>
+  </p:clrMapOvr>
+</p:sld>
+</file>
+
+<file path=ppt/slides/slide12.xml><?xml version="1.0" encoding="utf-8"?>
+<p:sld xmlns:a="http://schemas.openxmlformats.org/drawingml/2006/main" xmlns:r="http://schemas.openxmlformats.org/officeDocument/2006/relationships" xmlns:p="http://schemas.openxmlformats.org/presentationml/2006/main">
+  <p:cSld>
+    <p:spTree>
+      <p:nvGrpSpPr>
+        <p:cNvPr id="1" name=""/>
+        <p:cNvGrpSpPr/>
+        <p:nvPr/>
+      </p:nvGrpSpPr>
+      <p:grpSpPr>
+        <a:xfrm>
+          <a:off x="0" y="0"/>
+          <a:ext cx="0" cy="0"/>
+          <a:chOff x="0" y="0"/>
+          <a:chExt cx="0" cy="0"/>
+        </a:xfrm>
+      </p:grpSpPr>
+      <p:sp>
+        <p:nvSpPr>
+          <p:cNvPr id="2" name="Заголовок 1"/>
+          <p:cNvSpPr>
+            <a:spLocks noGrp="1"/>
+          </p:cNvSpPr>
+          <p:nvPr>
+            <p:ph type="title"/>
+          </p:nvPr>
+        </p:nvSpPr>
+        <p:spPr/>
+        <p:txBody>
+          <a:bodyPr/>
+          <a:lstStyle/>
+          <a:p>
+            <a:endParaRPr lang="ru-RU"/>
+          </a:p>
+        </p:txBody>
+      </p:sp>
+      <p:sp>
+        <p:nvSpPr>
+          <p:cNvPr id="3" name="Содержимое 2"/>
+          <p:cNvSpPr>
+            <a:spLocks noGrp="1"/>
+          </p:cNvSpPr>
+          <p:nvPr>
+            <p:ph idx="1"/>
+          </p:nvPr>
+        </p:nvSpPr>
+        <p:spPr/>
+        <p:txBody>
+          <a:bodyPr/>
+          <a:lstStyle/>
+          <a:p>
+            <a:endParaRPr lang="ru-RU"/>
+          </a:p>
+        </p:txBody>
+      </p:sp>
+      <p:sp>
+        <p:nvSpPr>
+          <p:cNvPr id="4" name="Номер слайда 3"/>
+          <p:cNvSpPr>
+            <a:spLocks noGrp="1"/>
+          </p:cNvSpPr>
+          <p:nvPr>
+            <p:ph type="sldNum" sz="quarter" idx="12"/>
+          </p:nvPr>
+        </p:nvSpPr>
+        <p:spPr/>
+        <p:txBody>
+          <a:bodyPr/>
+          <a:lstStyle/>
+          <a:p>
+            <a:fld id="{0EC1B211-457E-4361-983F-013AFA25B34F}" type="slidenum">
+              <a:rPr lang="ru-RU" smtClean="0"/>
+              <a:pPr/>
+              <a:t>12</a:t>
+            </a:fld>
+            <a:endParaRPr lang="ru-RU"/>
+          </a:p>
+        </p:txBody>
+      </p:sp>
+      <p:pic>
+        <p:nvPicPr>
+          <p:cNvPr id="7170" name="Picture 2"/>
+          <p:cNvPicPr>
+            <a:picLocks noChangeAspect="1" noChangeArrowheads="1"/>
+          </p:cNvPicPr>
+          <p:nvPr/>
+        </p:nvPicPr>
+        <p:blipFill>
+          <a:blip r:embed="rId2" cstate="print"/>
+          <a:srcRect/>
+          <a:stretch>
+            <a:fillRect/>
+          </a:stretch>
+        </p:blipFill>
+        <p:spPr bwMode="auto">
+          <a:xfrm>
+            <a:off x="0" y="0"/>
+            <a:ext cx="9144000" cy="6858000"/>
+          </a:xfrm>
+          <a:prstGeom prst="rect">
+            <a:avLst/>
+          </a:prstGeom>
+          <a:noFill/>
+          <a:ln w="9525">
+            <a:noFill/>
+            <a:miter lim="800000"/>
+            <a:headEnd/>
+            <a:tailEnd/>
+          </a:ln>
+        </p:spPr>
+      </p:pic>
+    </p:spTree>
+  </p:cSld>
+  <p:clrMapOvr>
+    <a:masterClrMapping/>
+  </p:clrMapOvr>
+</p:sld>
+</file>
+
+<file path=ppt/slides/slide13.xml><?xml version="1.0" encoding="utf-8"?>
+<p:sld xmlns:a="http://schemas.openxmlformats.org/drawingml/2006/main" xmlns:r="http://schemas.openxmlformats.org/officeDocument/2006/relationships" xmlns:p="http://schemas.openxmlformats.org/presentationml/2006/main">
+  <p:cSld>
+    <p:spTree>
+      <p:nvGrpSpPr>
+        <p:cNvPr id="1" name=""/>
+        <p:cNvGrpSpPr/>
+        <p:nvPr/>
+      </p:nvGrpSpPr>
+      <p:grpSpPr>
+        <a:xfrm>
+          <a:off x="0" y="0"/>
+          <a:ext cx="0" cy="0"/>
+          <a:chOff x="0" y="0"/>
+          <a:chExt cx="0" cy="0"/>
+        </a:xfrm>
+      </p:grpSpPr>
+      <p:sp>
+        <p:nvSpPr>
+          <p:cNvPr id="2" name="Заголовок 1"/>
+          <p:cNvSpPr>
+            <a:spLocks noGrp="1"/>
+          </p:cNvSpPr>
+          <p:nvPr>
+            <p:ph type="title"/>
+          </p:nvPr>
+        </p:nvSpPr>
+        <p:spPr/>
+        <p:txBody>
+          <a:bodyPr>
+            <a:normAutofit fontScale="90000"/>
+          </a:bodyPr>
+          <a:lstStyle/>
+          <a:p>
+            <a:r>
+              <a:rPr lang="ru-RU" dirty="0" smtClean="0"/>
+              <a:t>Действующие информационные системы ПАО «Радиозавод»	</a:t>
+            </a:r>
+            <a:endParaRPr lang="ru-RU" dirty="0"/>
+          </a:p>
+        </p:txBody>
+      </p:sp>
+      <p:sp>
+        <p:nvSpPr>
+          <p:cNvPr id="3" name="Содержимое 2"/>
+          <p:cNvSpPr>
+            <a:spLocks noGrp="1"/>
+          </p:cNvSpPr>
+          <p:nvPr>
+            <p:ph idx="1"/>
+          </p:nvPr>
+        </p:nvSpPr>
+        <p:spPr/>
+        <p:txBody>
+          <a:bodyPr>
+            <a:normAutofit fontScale="92500" lnSpcReduction="20000"/>
+          </a:bodyPr>
+          <a:lstStyle/>
+          <a:p>
+            <a:r>
+              <a:rPr lang="ru-RU" dirty="0" smtClean="0"/>
+              <a:t>СУБД </a:t>
+            </a:r>
+            <a:r>
+              <a:rPr lang="ru-RU" dirty="0" err="1" smtClean="0"/>
+              <a:t>Clipper</a:t>
+            </a:r>
+            <a:r>
+              <a:rPr lang="ru-RU" dirty="0" smtClean="0"/>
+              <a:t> – с помощью этой системы был полностью автоматизирован учет на предприятии, в том числе, частично, и жизненный цикл продукции. </a:t>
+            </a:r>
+          </a:p>
+          <a:p>
+            <a:r>
+              <a:rPr lang="ru-RU" dirty="0" smtClean="0"/>
+              <a:t>САПР </a:t>
+            </a:r>
+            <a:r>
+              <a:rPr lang="ru-RU" dirty="0" smtClean="0"/>
+              <a:t>"КОМПАС" – применяется для разработки чертежей и моделей для изделий. </a:t>
+            </a:r>
+          </a:p>
+          <a:p>
+            <a:r>
+              <a:rPr lang="ru-RU" dirty="0" smtClean="0"/>
+              <a:t>САПР </a:t>
+            </a:r>
+            <a:r>
+              <a:rPr lang="ru-RU" dirty="0" smtClean="0"/>
+              <a:t>"</a:t>
+            </a:r>
+            <a:r>
+              <a:rPr lang="en-US" dirty="0" smtClean="0"/>
+              <a:t>P</a:t>
+            </a:r>
+            <a:r>
+              <a:rPr lang="ru-RU" dirty="0" smtClean="0"/>
+              <a:t>-</a:t>
+            </a:r>
+            <a:r>
+              <a:rPr lang="en-US" dirty="0" smtClean="0"/>
+              <a:t>CAD</a:t>
+            </a:r>
+            <a:r>
+              <a:rPr lang="ru-RU" dirty="0" smtClean="0"/>
+              <a:t>" – система используется для проектирования печатных </a:t>
+            </a:r>
+            <a:r>
+              <a:rPr lang="ru-RU" dirty="0" smtClean="0"/>
+              <a:t>плат</a:t>
+            </a:r>
+          </a:p>
+          <a:p>
+            <a:r>
+              <a:rPr lang="ru-RU" dirty="0" smtClean="0"/>
+              <a:t>1С:</a:t>
+            </a:r>
+            <a:r>
+              <a:rPr lang="en-US" dirty="0" smtClean="0"/>
+              <a:t>ERP </a:t>
+            </a:r>
+            <a:r>
+              <a:rPr lang="ru" dirty="0" smtClean="0"/>
+              <a:t>–</a:t>
+            </a:r>
+            <a:r>
+              <a:rPr lang="en-US" dirty="0" smtClean="0"/>
+              <a:t> </a:t>
+            </a:r>
+            <a:r>
+              <a:rPr lang="ru-RU" dirty="0" smtClean="0"/>
+              <a:t>применяется для </a:t>
+            </a:r>
+            <a:r>
+              <a:rPr lang="ru-RU" dirty="0" smtClean="0"/>
+              <a:t>различных экономических расчетов и создания необходимой отчетности</a:t>
+            </a:r>
+          </a:p>
+          <a:p>
+            <a:endParaRPr lang="ru-RU" dirty="0"/>
+          </a:p>
+        </p:txBody>
+      </p:sp>
+      <p:sp>
+        <p:nvSpPr>
+          <p:cNvPr id="4" name="Номер слайда 3"/>
+          <p:cNvSpPr>
+            <a:spLocks noGrp="1"/>
+          </p:cNvSpPr>
+          <p:nvPr>
+            <p:ph type="sldNum" sz="quarter" idx="12"/>
+          </p:nvPr>
+        </p:nvSpPr>
+        <p:spPr/>
+        <p:txBody>
+          <a:bodyPr/>
+          <a:lstStyle/>
+          <a:p>
+            <a:fld id="{0EC1B211-457E-4361-983F-013AFA25B34F}" type="slidenum">
+              <a:rPr lang="ru-RU" smtClean="0"/>
+              <a:pPr/>
+              <a:t>13</a:t>
+            </a:fld>
+            <a:endParaRPr lang="ru-RU"/>
+          </a:p>
+        </p:txBody>
+      </p:sp>
+    </p:spTree>
+  </p:cSld>
+  <p:clrMapOvr>
+    <a:masterClrMapping/>
+  </p:clrMapOvr>
+</p:sld>
+</file>
+
+<file path=ppt/slides/slide14.xml><?xml version="1.0" encoding="utf-8"?>
+<p:sld xmlns:a="http://schemas.openxmlformats.org/drawingml/2006/main" xmlns:r="http://schemas.openxmlformats.org/officeDocument/2006/relationships" xmlns:p="http://schemas.openxmlformats.org/presentationml/2006/main">
+  <p:cSld>
+    <p:spTree>
+      <p:nvGrpSpPr>
+        <p:cNvPr id="1" name=""/>
+        <p:cNvGrpSpPr/>
+        <p:nvPr/>
+      </p:nvGrpSpPr>
+      <p:grpSpPr>
+        <a:xfrm>
+          <a:off x="0" y="0"/>
+          <a:ext cx="0" cy="0"/>
+          <a:chOff x="0" y="0"/>
+          <a:chExt cx="0" cy="0"/>
+        </a:xfrm>
+      </p:grpSpPr>
+      <p:sp>
+        <p:nvSpPr>
+          <p:cNvPr id="2" name="Заголовок 1"/>
+          <p:cNvSpPr>
+            <a:spLocks noGrp="1"/>
+          </p:cNvSpPr>
+          <p:nvPr>
+            <p:ph type="title"/>
+          </p:nvPr>
+        </p:nvSpPr>
+        <p:spPr/>
+        <p:txBody>
+          <a:bodyPr>
+            <a:normAutofit fontScale="90000"/>
+          </a:bodyPr>
+          <a:lstStyle/>
+          <a:p>
+            <a:r>
+              <a:rPr lang="ru-RU" sz="3200" dirty="0" smtClean="0">
+                <a:effectLst>
+                  <a:outerShdw blurRad="38100" dist="38100" dir="2700000" algn="tl">
+                    <a:srgbClr val="000000">
+                      <a:alpha val="43137"/>
+                    </a:srgbClr>
+                  </a:outerShdw>
+                </a:effectLst>
+              </a:rPr>
+              <a:t>Обзор выявленных проблем функционирования информационного обеспечения СУЖЦ</a:t>
+            </a:r>
+            <a:endParaRPr lang="ru-RU" sz="3200" dirty="0">
+              <a:effectLst>
+                <a:outerShdw blurRad="38100" dist="38100" dir="2700000" algn="tl">
+                  <a:srgbClr val="000000">
+                    <a:alpha val="43137"/>
+                  </a:srgbClr>
+                </a:outerShdw>
+              </a:effectLst>
+            </a:endParaRPr>
+          </a:p>
+        </p:txBody>
+      </p:sp>
+      <p:sp>
+        <p:nvSpPr>
+          <p:cNvPr id="3" name="Содержимое 2"/>
+          <p:cNvSpPr>
+            <a:spLocks noGrp="1"/>
+          </p:cNvSpPr>
+          <p:nvPr>
+            <p:ph idx="1"/>
+          </p:nvPr>
+        </p:nvSpPr>
+        <p:spPr/>
+        <p:txBody>
+          <a:bodyPr>
+            <a:normAutofit/>
+          </a:bodyPr>
+          <a:lstStyle/>
+          <a:p>
+            <a:r>
+              <a:rPr lang="ru-RU" dirty="0" smtClean="0"/>
+              <a:t>Недостаточная модель данных, не позволяющая корректно сформировать структуру изделия и сопроводительную документацию</a:t>
+            </a:r>
+          </a:p>
+          <a:p>
+            <a:r>
+              <a:rPr lang="ru-RU" dirty="0" smtClean="0"/>
+              <a:t>Обработка конструкторских изменений не соответствует ГОСТ</a:t>
+            </a:r>
+          </a:p>
+          <a:p>
+            <a:r>
+              <a:rPr lang="ru-RU" dirty="0" smtClean="0"/>
+              <a:t>Отсутствует синхронизация </a:t>
+            </a:r>
+            <a:r>
+              <a:rPr lang="ru-RU" dirty="0" err="1" smtClean="0"/>
+              <a:t>данныхв</a:t>
+            </a:r>
+            <a:r>
+              <a:rPr lang="ru-RU" dirty="0" smtClean="0"/>
+              <a:t> различных информационных системах</a:t>
+            </a:r>
+            <a:endParaRPr lang="ru-RU" dirty="0"/>
+          </a:p>
+        </p:txBody>
+      </p:sp>
+      <p:sp>
+        <p:nvSpPr>
+          <p:cNvPr id="4" name="Номер слайда 3"/>
+          <p:cNvSpPr>
+            <a:spLocks noGrp="1"/>
+          </p:cNvSpPr>
+          <p:nvPr>
+            <p:ph type="sldNum" sz="quarter" idx="12"/>
+          </p:nvPr>
+        </p:nvSpPr>
+        <p:spPr/>
+        <p:txBody>
+          <a:bodyPr/>
+          <a:lstStyle/>
+          <a:p>
+            <a:fld id="{0EC1B211-457E-4361-983F-013AFA25B34F}" type="slidenum">
+              <a:rPr lang="ru-RU" smtClean="0"/>
+              <a:pPr/>
+              <a:t>14</a:t>
+            </a:fld>
+            <a:endParaRPr lang="ru-RU"/>
+          </a:p>
+        </p:txBody>
+      </p:sp>
+    </p:spTree>
+  </p:cSld>
+  <p:clrMapOvr>
+    <a:masterClrMapping/>
+  </p:clrMapOvr>
+</p:sld>
+</file>
+
+<file path=ppt/slides/slide15.xml><?xml version="1.0" encoding="utf-8"?>
+<p:sld xmlns:a="http://schemas.openxmlformats.org/drawingml/2006/main" xmlns:r="http://schemas.openxmlformats.org/officeDocument/2006/relationships" xmlns:p="http://schemas.openxmlformats.org/presentationml/2006/main">
+  <p:cSld>
+    <p:spTree>
+      <p:nvGrpSpPr>
+        <p:cNvPr id="1" name=""/>
+        <p:cNvGrpSpPr/>
+        <p:nvPr/>
+      </p:nvGrpSpPr>
+      <p:grpSpPr>
+        <a:xfrm>
+          <a:off x="0" y="0"/>
+          <a:ext cx="0" cy="0"/>
+          <a:chOff x="0" y="0"/>
+          <a:chExt cx="0" cy="0"/>
+        </a:xfrm>
+      </p:grpSpPr>
+      <p:sp>
+        <p:nvSpPr>
+          <p:cNvPr id="2" name="Заголовок 1"/>
+          <p:cNvSpPr>
+            <a:spLocks noGrp="1"/>
+          </p:cNvSpPr>
+          <p:nvPr>
+            <p:ph type="title"/>
+          </p:nvPr>
+        </p:nvSpPr>
+        <p:spPr/>
+        <p:txBody>
+          <a:bodyPr/>
+          <a:lstStyle/>
+          <a:p>
+            <a:endParaRPr lang="ru-RU"/>
+          </a:p>
+        </p:txBody>
+      </p:sp>
+      <p:sp>
+        <p:nvSpPr>
+          <p:cNvPr id="3" name="Содержимое 2"/>
+          <p:cNvSpPr>
+            <a:spLocks noGrp="1"/>
+          </p:cNvSpPr>
+          <p:nvPr>
+            <p:ph idx="1"/>
+          </p:nvPr>
+        </p:nvSpPr>
+        <p:spPr/>
+        <p:txBody>
+          <a:bodyPr/>
+          <a:lstStyle/>
+          <a:p>
+            <a:r>
+              <a:rPr lang="ru-RU" dirty="0" smtClean="0"/>
+              <a:t>Вставь модель, как описано в докладе</a:t>
+            </a:r>
+            <a:endParaRPr lang="ru-RU" dirty="0"/>
+          </a:p>
+        </p:txBody>
+      </p:sp>
+      <p:sp>
+        <p:nvSpPr>
+          <p:cNvPr id="4" name="Номер слайда 3"/>
+          <p:cNvSpPr>
+            <a:spLocks noGrp="1"/>
+          </p:cNvSpPr>
+          <p:nvPr>
+            <p:ph type="sldNum" sz="quarter" idx="12"/>
+          </p:nvPr>
+        </p:nvSpPr>
+        <p:spPr/>
+        <p:txBody>
+          <a:bodyPr/>
+          <a:lstStyle/>
+          <a:p>
+            <a:fld id="{0EC1B211-457E-4361-983F-013AFA25B34F}" type="slidenum">
+              <a:rPr lang="ru-RU" smtClean="0"/>
+              <a:pPr/>
+              <a:t>15</a:t>
+            </a:fld>
+            <a:endParaRPr lang="ru-RU"/>
+          </a:p>
+        </p:txBody>
+      </p:sp>
+    </p:spTree>
+  </p:cSld>
+  <p:clrMapOvr>
+    <a:masterClrMapping/>
+  </p:clrMapOvr>
+</p:sld>
+</file>
+
+<file path=ppt/slides/slide16.xml><?xml version="1.0" encoding="utf-8"?>
+<p:sld xmlns:a="http://schemas.openxmlformats.org/drawingml/2006/main" xmlns:r="http://schemas.openxmlformats.org/officeDocument/2006/relationships" xmlns:p="http://schemas.openxmlformats.org/presentationml/2006/main">
+  <p:cSld>
+    <p:spTree>
+      <p:nvGrpSpPr>
+        <p:cNvPr id="1" name=""/>
+        <p:cNvGrpSpPr/>
+        <p:nvPr/>
+      </p:nvGrpSpPr>
+      <p:grpSpPr>
+        <a:xfrm>
+          <a:off x="0" y="0"/>
+          <a:ext cx="0" cy="0"/>
+          <a:chOff x="0" y="0"/>
+          <a:chExt cx="0" cy="0"/>
+        </a:xfrm>
+      </p:grpSpPr>
+      <p:sp>
+        <p:nvSpPr>
+          <p:cNvPr id="2" name="Заголовок 1"/>
+          <p:cNvSpPr>
+            <a:spLocks noGrp="1"/>
+          </p:cNvSpPr>
+          <p:nvPr>
+            <p:ph type="title"/>
+          </p:nvPr>
+        </p:nvSpPr>
+        <p:spPr/>
+        <p:txBody>
+          <a:bodyPr/>
+          <a:lstStyle/>
+          <a:p>
+            <a:endParaRPr lang="ru-RU"/>
+          </a:p>
+        </p:txBody>
+      </p:sp>
+      <p:sp>
+        <p:nvSpPr>
+          <p:cNvPr id="3" name="Содержимое 2"/>
+          <p:cNvSpPr>
+            <a:spLocks noGrp="1"/>
+          </p:cNvSpPr>
+          <p:nvPr>
+            <p:ph idx="1"/>
+          </p:nvPr>
+        </p:nvSpPr>
+        <p:spPr/>
+        <p:txBody>
+          <a:bodyPr/>
+          <a:lstStyle/>
+          <a:p>
+            <a:r>
+              <a:rPr lang="ru-RU" dirty="0" smtClean="0"/>
+              <a:t>Вставь какую-нибудь картинку про состав изделия</a:t>
+            </a:r>
+            <a:endParaRPr lang="ru-RU" dirty="0"/>
+          </a:p>
+        </p:txBody>
+      </p:sp>
+      <p:sp>
+        <p:nvSpPr>
+          <p:cNvPr id="4" name="Номер слайда 3"/>
+          <p:cNvSpPr>
+            <a:spLocks noGrp="1"/>
+          </p:cNvSpPr>
+          <p:nvPr>
+            <p:ph type="sldNum" sz="quarter" idx="12"/>
+          </p:nvPr>
+        </p:nvSpPr>
+        <p:spPr/>
+        <p:txBody>
+          <a:bodyPr/>
+          <a:lstStyle/>
+          <a:p>
+            <a:fld id="{0EC1B211-457E-4361-983F-013AFA25B34F}" type="slidenum">
+              <a:rPr lang="ru-RU" smtClean="0"/>
+              <a:pPr/>
+              <a:t>16</a:t>
+            </a:fld>
+            <a:endParaRPr lang="ru-RU"/>
+          </a:p>
+        </p:txBody>
+      </p:sp>
+    </p:spTree>
+  </p:cSld>
+  <p:clrMapOvr>
+    <a:masterClrMapping/>
+  </p:clrMapOvr>
+</p:sld>
+</file>
+
+<file path=ppt/slides/slide17.xml><?xml version="1.0" encoding="utf-8"?>
+<p:sld xmlns:a="http://schemas.openxmlformats.org/drawingml/2006/main" xmlns:r="http://schemas.openxmlformats.org/officeDocument/2006/relationships" xmlns:p="http://schemas.openxmlformats.org/presentationml/2006/main">
+  <p:cSld>
+    <p:spTree>
+      <p:nvGrpSpPr>
+        <p:cNvPr id="1" name=""/>
+        <p:cNvGrpSpPr/>
+        <p:nvPr/>
+      </p:nvGrpSpPr>
+      <p:grpSpPr>
+        <a:xfrm>
+          <a:off x="0" y="0"/>
+          <a:ext cx="0" cy="0"/>
+          <a:chOff x="0" y="0"/>
+          <a:chExt cx="0" cy="0"/>
+        </a:xfrm>
+      </p:grpSpPr>
+      <p:sp>
+        <p:nvSpPr>
+          <p:cNvPr id="2" name="Заголовок 1"/>
+          <p:cNvSpPr>
+            <a:spLocks noGrp="1"/>
+          </p:cNvSpPr>
+          <p:nvPr>
+            <p:ph type="title"/>
+          </p:nvPr>
+        </p:nvSpPr>
+        <p:spPr/>
+        <p:txBody>
+          <a:bodyPr/>
+          <a:lstStyle/>
+          <a:p>
+            <a:endParaRPr lang="ru-RU"/>
+          </a:p>
+        </p:txBody>
+      </p:sp>
+      <p:sp>
+        <p:nvSpPr>
+          <p:cNvPr id="3" name="Содержимое 2"/>
+          <p:cNvSpPr>
+            <a:spLocks noGrp="1"/>
+          </p:cNvSpPr>
+          <p:nvPr>
+            <p:ph idx="1"/>
+          </p:nvPr>
+        </p:nvSpPr>
+        <p:spPr/>
+        <p:txBody>
+          <a:bodyPr/>
+          <a:lstStyle/>
+          <a:p>
+            <a:r>
+              <a:rPr lang="ru-RU" dirty="0" smtClean="0"/>
+              <a:t>Схема синхронизации составов изделия</a:t>
+            </a:r>
+            <a:endParaRPr lang="ru-RU" dirty="0"/>
+          </a:p>
+        </p:txBody>
+      </p:sp>
+      <p:sp>
+        <p:nvSpPr>
+          <p:cNvPr id="4" name="Номер слайда 3"/>
+          <p:cNvSpPr>
+            <a:spLocks noGrp="1"/>
+          </p:cNvSpPr>
+          <p:nvPr>
+            <p:ph type="sldNum" sz="quarter" idx="12"/>
+          </p:nvPr>
+        </p:nvSpPr>
+        <p:spPr/>
+        <p:txBody>
+          <a:bodyPr/>
+          <a:lstStyle/>
+          <a:p>
+            <a:fld id="{0EC1B211-457E-4361-983F-013AFA25B34F}" type="slidenum">
+              <a:rPr lang="ru-RU" smtClean="0"/>
+              <a:pPr/>
+              <a:t>17</a:t>
+            </a:fld>
+            <a:endParaRPr lang="ru-RU"/>
+          </a:p>
+        </p:txBody>
+      </p:sp>
+    </p:spTree>
+  </p:cSld>
+  <p:clrMapOvr>
+    <a:masterClrMapping/>
+  </p:clrMapOvr>
+</p:sld>
+</file>
+
+<file path=ppt/slides/slide18.xml><?xml version="1.0" encoding="utf-8"?>
+<p:sld xmlns:a="http://schemas.openxmlformats.org/drawingml/2006/main" xmlns:r="http://schemas.openxmlformats.org/officeDocument/2006/relationships" xmlns:p="http://schemas.openxmlformats.org/presentationml/2006/main">
+  <p:cSld>
+    <p:spTree>
+      <p:nvGrpSpPr>
+        <p:cNvPr id="1" name=""/>
+        <p:cNvGrpSpPr/>
+        <p:nvPr/>
+      </p:nvGrpSpPr>
+      <p:grpSpPr>
+        <a:xfrm>
+          <a:off x="0" y="0"/>
+          <a:ext cx="0" cy="0"/>
+          <a:chOff x="0" y="0"/>
+          <a:chExt cx="0" cy="0"/>
+        </a:xfrm>
+      </p:grpSpPr>
+      <p:sp>
+        <p:nvSpPr>
+          <p:cNvPr id="2" name="Заголовок 1"/>
+          <p:cNvSpPr>
+            <a:spLocks noGrp="1"/>
+          </p:cNvSpPr>
+          <p:nvPr>
+            <p:ph type="title"/>
+          </p:nvPr>
+        </p:nvSpPr>
+        <p:spPr/>
+        <p:txBody>
+          <a:bodyPr/>
+          <a:lstStyle/>
+          <a:p>
+            <a:endParaRPr lang="ru-RU"/>
+          </a:p>
+        </p:txBody>
+      </p:sp>
+      <p:sp>
+        <p:nvSpPr>
+          <p:cNvPr id="3" name="Содержимое 2"/>
+          <p:cNvSpPr>
+            <a:spLocks noGrp="1"/>
+          </p:cNvSpPr>
+          <p:nvPr>
+            <p:ph idx="1"/>
+          </p:nvPr>
+        </p:nvSpPr>
+        <p:spPr/>
+        <p:txBody>
+          <a:bodyPr/>
+          <a:lstStyle/>
+          <a:p>
+            <a:r>
+              <a:rPr lang="ru-RU" dirty="0" smtClean="0"/>
+              <a:t>Заключение</a:t>
+            </a:r>
+            <a:endParaRPr lang="ru-RU" dirty="0"/>
+          </a:p>
+        </p:txBody>
+      </p:sp>
+      <p:sp>
+        <p:nvSpPr>
+          <p:cNvPr id="4" name="Номер слайда 3"/>
+          <p:cNvSpPr>
+            <a:spLocks noGrp="1"/>
+          </p:cNvSpPr>
+          <p:nvPr>
+            <p:ph type="sldNum" sz="quarter" idx="12"/>
+          </p:nvPr>
+        </p:nvSpPr>
+        <p:spPr/>
+        <p:txBody>
+          <a:bodyPr/>
+          <a:lstStyle/>
+          <a:p>
+            <a:fld id="{0EC1B211-457E-4361-983F-013AFA25B34F}" type="slidenum">
+              <a:rPr lang="ru-RU" smtClean="0"/>
+              <a:pPr/>
+              <a:t>18</a:t>
+            </a:fld>
+            <a:endParaRPr lang="ru-RU"/>
+          </a:p>
+        </p:txBody>
+      </p:sp>
+    </p:spTree>
+  </p:cSld>
+  <p:clrMapOvr>
+    <a:masterClrMapping/>
+  </p:clrMapOvr>
+</p:sld>
+</file>
+
+<file path=ppt/slides/slide19.xml><?xml version="1.0" encoding="utf-8"?>
+<p:sld xmlns:a="http://schemas.openxmlformats.org/drawingml/2006/main" xmlns:r="http://schemas.openxmlformats.org/officeDocument/2006/relationships" xmlns:p="http://schemas.openxmlformats.org/presentationml/2006/main">
+  <p:cSld>
+    <p:spTree>
+      <p:nvGrpSpPr>
+        <p:cNvPr id="1" name=""/>
+        <p:cNvGrpSpPr/>
+        <p:nvPr/>
+      </p:nvGrpSpPr>
+      <p:grpSpPr>
+        <a:xfrm>
+          <a:off x="0" y="0"/>
+          <a:ext cx="0" cy="0"/>
+          <a:chOff x="0" y="0"/>
+          <a:chExt cx="0" cy="0"/>
+        </a:xfrm>
+      </p:grpSpPr>
+      <p:sp>
+        <p:nvSpPr>
+          <p:cNvPr id="2" name="Заголовок 1"/>
+          <p:cNvSpPr>
+            <a:spLocks noGrp="1"/>
+          </p:cNvSpPr>
+          <p:nvPr>
+            <p:ph type="ctrTitle"/>
+          </p:nvPr>
+        </p:nvSpPr>
+        <p:spPr/>
+        <p:txBody>
+          <a:bodyPr/>
+          <a:lstStyle/>
+          <a:p>
+            <a:r>
+              <a:rPr lang="ru-RU" dirty="0" smtClean="0"/>
+              <a:t>Благодарю за внимание!</a:t>
+            </a:r>
+            <a:endParaRPr lang="ru-RU" dirty="0"/>
+          </a:p>
+        </p:txBody>
+      </p:sp>
+      <p:sp>
+        <p:nvSpPr>
+          <p:cNvPr id="3" name="Подзаголовок 2"/>
+          <p:cNvSpPr>
+            <a:spLocks noGrp="1"/>
+          </p:cNvSpPr>
+          <p:nvPr>
+            <p:ph type="subTitle" idx="1"/>
+          </p:nvPr>
+        </p:nvSpPr>
+        <p:spPr/>
+        <p:txBody>
+          <a:bodyPr>
+            <a:normAutofit fontScale="77500" lnSpcReduction="20000"/>
+          </a:bodyPr>
+          <a:lstStyle/>
+          <a:p>
+            <a:r>
+              <a:rPr lang="ru-RU" dirty="0" smtClean="0"/>
+              <a:t>Исполнитель: студент группы 521 Темников Андрей Владимирович</a:t>
+            </a:r>
+          </a:p>
+          <a:p>
+            <a:r>
+              <a:rPr lang="ru-RU" dirty="0" smtClean="0"/>
+              <a:t>Научный руководитель: д.т.н., доцент, профессор кафедры математики и информатики </a:t>
+            </a:r>
+            <a:r>
+              <a:rPr lang="ru-RU" dirty="0" err="1" smtClean="0"/>
+              <a:t>Переверзев</a:t>
+            </a:r>
+            <a:r>
+              <a:rPr lang="ru-RU" dirty="0" smtClean="0"/>
+              <a:t> Павел Петрович </a:t>
+            </a:r>
+          </a:p>
+          <a:p>
+            <a:r>
+              <a:rPr lang="ru-RU" dirty="0" smtClean="0"/>
+              <a:t>Руководитель практики от предприятия: начальник ОИАС </a:t>
+            </a:r>
+          </a:p>
+          <a:p>
+            <a:r>
+              <a:rPr lang="ru-RU" dirty="0" err="1" smtClean="0"/>
+              <a:t>Чуфаров</a:t>
+            </a:r>
+            <a:r>
+              <a:rPr lang="ru-RU" dirty="0" smtClean="0"/>
+              <a:t> Игорь Георгиевич</a:t>
+            </a:r>
+          </a:p>
+          <a:p>
+            <a:endParaRPr lang="ru-RU" dirty="0"/>
+          </a:p>
+        </p:txBody>
+      </p:sp>
+      <p:sp>
+        <p:nvSpPr>
+          <p:cNvPr id="4" name="Номер слайда 3"/>
+          <p:cNvSpPr>
+            <a:spLocks noGrp="1"/>
+          </p:cNvSpPr>
+          <p:nvPr>
+            <p:ph type="sldNum" sz="quarter" idx="12"/>
+          </p:nvPr>
+        </p:nvSpPr>
+        <p:spPr/>
+        <p:txBody>
+          <a:bodyPr/>
+          <a:lstStyle/>
+          <a:p>
+            <a:fld id="{0EC1B211-457E-4361-983F-013AFA25B34F}" type="slidenum">
+              <a:rPr lang="ru-RU" smtClean="0"/>
+              <a:pPr/>
+              <a:t>19</a:t>
+            </a:fld>
+            <a:endParaRPr lang="ru-RU"/>
+          </a:p>
+        </p:txBody>
+      </p:sp>
+    </p:spTree>
+  </p:cSld>
+  <p:clrMapOvr>
+    <a:masterClrMapping/>
+  </p:clrMapOvr>
+</p:sld>
+</file>
+
 <file path=ppt/slides/slide2.xml><?xml version="1.0" encoding="utf-8"?>
 <p:sld xmlns:a="http://schemas.openxmlformats.org/drawingml/2006/main" xmlns:r="http://schemas.openxmlformats.org/officeDocument/2006/relationships" xmlns:p="http://schemas.openxmlformats.org/presentationml/2006/main">
   <p:cSld>
@@ -8659,6 +9835,664 @@
           </a:p>
         </p:txBody>
       </p:sp>
+    </p:spTree>
+  </p:cSld>
+  <p:clrMapOvr>
+    <a:masterClrMapping/>
+  </p:clrMapOvr>
+</p:sld>
+</file>
+
+<file path=ppt/slides/slide5.xml><?xml version="1.0" encoding="utf-8"?>
+<p:sld xmlns:a="http://schemas.openxmlformats.org/drawingml/2006/main" xmlns:r="http://schemas.openxmlformats.org/officeDocument/2006/relationships" xmlns:p="http://schemas.openxmlformats.org/presentationml/2006/main">
+  <p:cSld>
+    <p:spTree>
+      <p:nvGrpSpPr>
+        <p:cNvPr id="1" name=""/>
+        <p:cNvGrpSpPr/>
+        <p:nvPr/>
+      </p:nvGrpSpPr>
+      <p:grpSpPr>
+        <a:xfrm>
+          <a:off x="0" y="0"/>
+          <a:ext cx="0" cy="0"/>
+          <a:chOff x="0" y="0"/>
+          <a:chExt cx="0" cy="0"/>
+        </a:xfrm>
+      </p:grpSpPr>
+      <p:sp>
+        <p:nvSpPr>
+          <p:cNvPr id="2" name="Заголовок 1"/>
+          <p:cNvSpPr>
+            <a:spLocks noGrp="1"/>
+          </p:cNvSpPr>
+          <p:nvPr>
+            <p:ph type="title"/>
+          </p:nvPr>
+        </p:nvSpPr>
+        <p:spPr/>
+        <p:txBody>
+          <a:bodyPr/>
+          <a:lstStyle/>
+          <a:p>
+            <a:r>
+              <a:rPr lang="en-US" dirty="0" smtClean="0"/>
+              <a:t>PTC </a:t>
+            </a:r>
+            <a:r>
+              <a:rPr lang="en-US" dirty="0" err="1" smtClean="0"/>
+              <a:t>Windchill</a:t>
+            </a:r>
+            <a:r>
+              <a:rPr lang="en-US" dirty="0" smtClean="0"/>
+              <a:t> </a:t>
+            </a:r>
+            <a:endParaRPr lang="ru-RU" dirty="0"/>
+          </a:p>
+        </p:txBody>
+      </p:sp>
+      <p:sp>
+        <p:nvSpPr>
+          <p:cNvPr id="3" name="Содержимое 2"/>
+          <p:cNvSpPr>
+            <a:spLocks noGrp="1"/>
+          </p:cNvSpPr>
+          <p:nvPr>
+            <p:ph idx="1"/>
+          </p:nvPr>
+        </p:nvSpPr>
+        <p:spPr/>
+        <p:txBody>
+          <a:bodyPr>
+            <a:normAutofit fontScale="70000" lnSpcReduction="20000"/>
+          </a:bodyPr>
+          <a:lstStyle/>
+          <a:p>
+            <a:pPr lvl="0">
+              <a:buNone/>
+            </a:pPr>
+            <a:r>
+              <a:rPr lang="en-US" dirty="0" smtClean="0"/>
+              <a:t>		</a:t>
+            </a:r>
+            <a:r>
+              <a:rPr lang="en-US" dirty="0" smtClean="0"/>
+              <a:t> PTC </a:t>
+            </a:r>
+            <a:r>
+              <a:rPr lang="en-US" dirty="0" err="1" smtClean="0"/>
+              <a:t>Windchill</a:t>
+            </a:r>
+            <a:r>
+              <a:rPr lang="en-US" dirty="0" smtClean="0"/>
+              <a:t> </a:t>
+            </a:r>
+            <a:r>
+              <a:rPr lang="ru-RU" dirty="0" smtClean="0"/>
+              <a:t>представляет </a:t>
+            </a:r>
+            <a:r>
+              <a:rPr lang="ru-RU" dirty="0" smtClean="0"/>
+              <a:t>собой современный инструмент для совместной работы пользователей на основе </a:t>
+            </a:r>
+            <a:r>
+              <a:rPr lang="ru-RU" dirty="0" err="1" smtClean="0"/>
+              <a:t>веб-технологий</a:t>
+            </a:r>
+            <a:r>
+              <a:rPr lang="ru-RU" dirty="0" smtClean="0"/>
+              <a:t>, и создана специально для обеспечения эффективной разработки и управления информацией об </a:t>
+            </a:r>
+            <a:r>
+              <a:rPr lang="ru-RU" dirty="0" smtClean="0"/>
+              <a:t>изделии. Система реализует следующие функции:</a:t>
+            </a:r>
+          </a:p>
+          <a:p>
+            <a:pPr lvl="0"/>
+            <a:r>
+              <a:rPr lang="ru-RU" dirty="0" smtClean="0"/>
+              <a:t>Механизм организации совместного использования данных;</a:t>
+            </a:r>
+          </a:p>
+          <a:p>
+            <a:pPr lvl="0"/>
+            <a:r>
+              <a:rPr lang="ru-RU" dirty="0" smtClean="0"/>
+              <a:t>Хранение </a:t>
+            </a:r>
+            <a:r>
+              <a:rPr lang="ru-RU" dirty="0" smtClean="0"/>
+              <a:t>данных в защищенном хранилище и разграничение прав доступа;</a:t>
+            </a:r>
+          </a:p>
+          <a:p>
+            <a:pPr lvl="0"/>
+            <a:r>
+              <a:rPr lang="ru-RU" dirty="0" smtClean="0"/>
+              <a:t>Управление информацией;</a:t>
+            </a:r>
+          </a:p>
+          <a:p>
+            <a:pPr lvl="0"/>
+            <a:r>
+              <a:rPr lang="ru-RU" dirty="0" smtClean="0"/>
+              <a:t>Управление изменениями;</a:t>
+            </a:r>
+          </a:p>
+          <a:p>
+            <a:pPr lvl="0"/>
+            <a:r>
+              <a:rPr lang="ru-RU" dirty="0" smtClean="0"/>
+              <a:t>Возможность хранения всей истории проектирования и многое другое. </a:t>
+            </a:r>
+            <a:endParaRPr lang="ru-RU" dirty="0" smtClean="0"/>
+          </a:p>
+          <a:p>
+            <a:endParaRPr lang="ru-RU" dirty="0"/>
+          </a:p>
+        </p:txBody>
+      </p:sp>
+      <p:sp>
+        <p:nvSpPr>
+          <p:cNvPr id="4" name="Номер слайда 3"/>
+          <p:cNvSpPr>
+            <a:spLocks noGrp="1"/>
+          </p:cNvSpPr>
+          <p:nvPr>
+            <p:ph type="sldNum" sz="quarter" idx="12"/>
+          </p:nvPr>
+        </p:nvSpPr>
+        <p:spPr/>
+        <p:txBody>
+          <a:bodyPr/>
+          <a:lstStyle/>
+          <a:p>
+            <a:fld id="{0EC1B211-457E-4361-983F-013AFA25B34F}" type="slidenum">
+              <a:rPr lang="ru-RU" smtClean="0"/>
+              <a:pPr/>
+              <a:t>5</a:t>
+            </a:fld>
+            <a:endParaRPr lang="ru-RU"/>
+          </a:p>
+        </p:txBody>
+      </p:sp>
+    </p:spTree>
+  </p:cSld>
+  <p:clrMapOvr>
+    <a:masterClrMapping/>
+  </p:clrMapOvr>
+</p:sld>
+</file>
+
+<file path=ppt/slides/slide6.xml><?xml version="1.0" encoding="utf-8"?>
+<p:sld xmlns:a="http://schemas.openxmlformats.org/drawingml/2006/main" xmlns:r="http://schemas.openxmlformats.org/officeDocument/2006/relationships" xmlns:p="http://schemas.openxmlformats.org/presentationml/2006/main">
+  <p:cSld>
+    <p:spTree>
+      <p:nvGrpSpPr>
+        <p:cNvPr id="1" name=""/>
+        <p:cNvGrpSpPr/>
+        <p:nvPr/>
+      </p:nvGrpSpPr>
+      <p:grpSpPr>
+        <a:xfrm>
+          <a:off x="0" y="0"/>
+          <a:ext cx="0" cy="0"/>
+          <a:chOff x="0" y="0"/>
+          <a:chExt cx="0" cy="0"/>
+        </a:xfrm>
+      </p:grpSpPr>
+      <p:sp>
+        <p:nvSpPr>
+          <p:cNvPr id="2" name="Заголовок 1"/>
+          <p:cNvSpPr>
+            <a:spLocks noGrp="1"/>
+          </p:cNvSpPr>
+          <p:nvPr>
+            <p:ph type="title"/>
+          </p:nvPr>
+        </p:nvSpPr>
+        <p:spPr/>
+        <p:txBody>
+          <a:bodyPr/>
+          <a:lstStyle/>
+          <a:p>
+            <a:endParaRPr lang="ru-RU" dirty="0"/>
+          </a:p>
+        </p:txBody>
+      </p:sp>
+      <p:sp>
+        <p:nvSpPr>
+          <p:cNvPr id="3" name="Содержимое 2"/>
+          <p:cNvSpPr>
+            <a:spLocks noGrp="1"/>
+          </p:cNvSpPr>
+          <p:nvPr>
+            <p:ph idx="1"/>
+          </p:nvPr>
+        </p:nvSpPr>
+        <p:spPr/>
+        <p:txBody>
+          <a:bodyPr/>
+          <a:lstStyle/>
+          <a:p>
+            <a:endParaRPr lang="ru-RU"/>
+          </a:p>
+        </p:txBody>
+      </p:sp>
+      <p:sp>
+        <p:nvSpPr>
+          <p:cNvPr id="4" name="Номер слайда 3"/>
+          <p:cNvSpPr>
+            <a:spLocks noGrp="1"/>
+          </p:cNvSpPr>
+          <p:nvPr>
+            <p:ph type="sldNum" sz="quarter" idx="12"/>
+          </p:nvPr>
+        </p:nvSpPr>
+        <p:spPr/>
+        <p:txBody>
+          <a:bodyPr/>
+          <a:lstStyle/>
+          <a:p>
+            <a:fld id="{0EC1B211-457E-4361-983F-013AFA25B34F}" type="slidenum">
+              <a:rPr lang="ru-RU" smtClean="0"/>
+              <a:pPr/>
+              <a:t>6</a:t>
+            </a:fld>
+            <a:endParaRPr lang="ru-RU"/>
+          </a:p>
+        </p:txBody>
+      </p:sp>
+      <p:pic>
+        <p:nvPicPr>
+          <p:cNvPr id="1026" name="Picture 2"/>
+          <p:cNvPicPr>
+            <a:picLocks noChangeAspect="1" noChangeArrowheads="1"/>
+          </p:cNvPicPr>
+          <p:nvPr/>
+        </p:nvPicPr>
+        <p:blipFill>
+          <a:blip r:embed="rId2" cstate="print"/>
+          <a:srcRect/>
+          <a:stretch>
+            <a:fillRect/>
+          </a:stretch>
+        </p:blipFill>
+        <p:spPr bwMode="auto">
+          <a:xfrm>
+            <a:off x="0" y="0"/>
+            <a:ext cx="9118206" cy="6858000"/>
+          </a:xfrm>
+          <a:prstGeom prst="rect">
+            <a:avLst/>
+          </a:prstGeom>
+          <a:noFill/>
+          <a:ln w="9525">
+            <a:noFill/>
+            <a:miter lim="800000"/>
+            <a:headEnd/>
+            <a:tailEnd/>
+          </a:ln>
+        </p:spPr>
+      </p:pic>
+    </p:spTree>
+  </p:cSld>
+  <p:clrMapOvr>
+    <a:masterClrMapping/>
+  </p:clrMapOvr>
+</p:sld>
+</file>
+
+<file path=ppt/slides/slide7.xml><?xml version="1.0" encoding="utf-8"?>
+<p:sld xmlns:a="http://schemas.openxmlformats.org/drawingml/2006/main" xmlns:r="http://schemas.openxmlformats.org/officeDocument/2006/relationships" xmlns:p="http://schemas.openxmlformats.org/presentationml/2006/main">
+  <p:cSld>
+    <p:spTree>
+      <p:nvGrpSpPr>
+        <p:cNvPr id="1" name=""/>
+        <p:cNvGrpSpPr/>
+        <p:nvPr/>
+      </p:nvGrpSpPr>
+      <p:grpSpPr>
+        <a:xfrm>
+          <a:off x="0" y="0"/>
+          <a:ext cx="0" cy="0"/>
+          <a:chOff x="0" y="0"/>
+          <a:chExt cx="0" cy="0"/>
+        </a:xfrm>
+      </p:grpSpPr>
+      <p:sp>
+        <p:nvSpPr>
+          <p:cNvPr id="2" name="Заголовок 1"/>
+          <p:cNvSpPr>
+            <a:spLocks noGrp="1"/>
+          </p:cNvSpPr>
+          <p:nvPr>
+            <p:ph type="title"/>
+          </p:nvPr>
+        </p:nvSpPr>
+        <p:spPr/>
+        <p:txBody>
+          <a:bodyPr/>
+          <a:lstStyle/>
+          <a:p>
+            <a:endParaRPr lang="ru-RU"/>
+          </a:p>
+        </p:txBody>
+      </p:sp>
+      <p:sp>
+        <p:nvSpPr>
+          <p:cNvPr id="3" name="Содержимое 2"/>
+          <p:cNvSpPr>
+            <a:spLocks noGrp="1"/>
+          </p:cNvSpPr>
+          <p:nvPr>
+            <p:ph idx="1"/>
+          </p:nvPr>
+        </p:nvSpPr>
+        <p:spPr/>
+        <p:txBody>
+          <a:bodyPr/>
+          <a:lstStyle/>
+          <a:p>
+            <a:endParaRPr lang="ru-RU"/>
+          </a:p>
+        </p:txBody>
+      </p:sp>
+      <p:sp>
+        <p:nvSpPr>
+          <p:cNvPr id="4" name="Номер слайда 3"/>
+          <p:cNvSpPr>
+            <a:spLocks noGrp="1"/>
+          </p:cNvSpPr>
+          <p:nvPr>
+            <p:ph type="sldNum" sz="quarter" idx="12"/>
+          </p:nvPr>
+        </p:nvSpPr>
+        <p:spPr/>
+        <p:txBody>
+          <a:bodyPr/>
+          <a:lstStyle/>
+          <a:p>
+            <a:fld id="{0EC1B211-457E-4361-983F-013AFA25B34F}" type="slidenum">
+              <a:rPr lang="ru-RU" smtClean="0"/>
+              <a:pPr/>
+              <a:t>7</a:t>
+            </a:fld>
+            <a:endParaRPr lang="ru-RU"/>
+          </a:p>
+        </p:txBody>
+      </p:sp>
+      <p:pic>
+        <p:nvPicPr>
+          <p:cNvPr id="2050" name="Picture 2"/>
+          <p:cNvPicPr>
+            <a:picLocks noChangeAspect="1" noChangeArrowheads="1"/>
+          </p:cNvPicPr>
+          <p:nvPr/>
+        </p:nvPicPr>
+        <p:blipFill>
+          <a:blip r:embed="rId2" cstate="print"/>
+          <a:srcRect/>
+          <a:stretch>
+            <a:fillRect/>
+          </a:stretch>
+        </p:blipFill>
+        <p:spPr bwMode="auto">
+          <a:xfrm>
+            <a:off x="0" y="0"/>
+            <a:ext cx="9173159" cy="6858000"/>
+          </a:xfrm>
+          <a:prstGeom prst="rect">
+            <a:avLst/>
+          </a:prstGeom>
+          <a:noFill/>
+          <a:ln w="9525">
+            <a:noFill/>
+            <a:miter lim="800000"/>
+            <a:headEnd/>
+            <a:tailEnd/>
+          </a:ln>
+        </p:spPr>
+      </p:pic>
+    </p:spTree>
+  </p:cSld>
+  <p:clrMapOvr>
+    <a:masterClrMapping/>
+  </p:clrMapOvr>
+</p:sld>
+</file>
+
+<file path=ppt/slides/slide8.xml><?xml version="1.0" encoding="utf-8"?>
+<p:sld xmlns:a="http://schemas.openxmlformats.org/drawingml/2006/main" xmlns:r="http://schemas.openxmlformats.org/officeDocument/2006/relationships" xmlns:p="http://schemas.openxmlformats.org/presentationml/2006/main">
+  <p:cSld>
+    <p:spTree>
+      <p:nvGrpSpPr>
+        <p:cNvPr id="1" name=""/>
+        <p:cNvGrpSpPr/>
+        <p:nvPr/>
+      </p:nvGrpSpPr>
+      <p:grpSpPr>
+        <a:xfrm>
+          <a:off x="0" y="0"/>
+          <a:ext cx="0" cy="0"/>
+          <a:chOff x="0" y="0"/>
+          <a:chExt cx="0" cy="0"/>
+        </a:xfrm>
+      </p:grpSpPr>
+      <p:sp>
+        <p:nvSpPr>
+          <p:cNvPr id="2" name="Заголовок 1"/>
+          <p:cNvSpPr>
+            <a:spLocks noGrp="1"/>
+          </p:cNvSpPr>
+          <p:nvPr>
+            <p:ph type="title"/>
+          </p:nvPr>
+        </p:nvSpPr>
+        <p:spPr/>
+        <p:txBody>
+          <a:bodyPr/>
+          <a:lstStyle/>
+          <a:p>
+            <a:endParaRPr lang="ru-RU"/>
+          </a:p>
+        </p:txBody>
+      </p:sp>
+      <p:sp>
+        <p:nvSpPr>
+          <p:cNvPr id="3" name="Содержимое 2"/>
+          <p:cNvSpPr>
+            <a:spLocks noGrp="1"/>
+          </p:cNvSpPr>
+          <p:nvPr>
+            <p:ph idx="1"/>
+          </p:nvPr>
+        </p:nvSpPr>
+        <p:spPr/>
+        <p:txBody>
+          <a:bodyPr/>
+          <a:lstStyle/>
+          <a:p>
+            <a:endParaRPr lang="ru-RU"/>
+          </a:p>
+        </p:txBody>
+      </p:sp>
+      <p:sp>
+        <p:nvSpPr>
+          <p:cNvPr id="4" name="Номер слайда 3"/>
+          <p:cNvSpPr>
+            <a:spLocks noGrp="1"/>
+          </p:cNvSpPr>
+          <p:nvPr>
+            <p:ph type="sldNum" sz="quarter" idx="12"/>
+          </p:nvPr>
+        </p:nvSpPr>
+        <p:spPr/>
+        <p:txBody>
+          <a:bodyPr/>
+          <a:lstStyle/>
+          <a:p>
+            <a:fld id="{0EC1B211-457E-4361-983F-013AFA25B34F}" type="slidenum">
+              <a:rPr lang="ru-RU" smtClean="0"/>
+              <a:pPr/>
+              <a:t>8</a:t>
+            </a:fld>
+            <a:endParaRPr lang="ru-RU"/>
+          </a:p>
+        </p:txBody>
+      </p:sp>
+      <p:pic>
+        <p:nvPicPr>
+          <p:cNvPr id="3074" name="Picture 2"/>
+          <p:cNvPicPr>
+            <a:picLocks noChangeAspect="1" noChangeArrowheads="1"/>
+          </p:cNvPicPr>
+          <p:nvPr/>
+        </p:nvPicPr>
+        <p:blipFill>
+          <a:blip r:embed="rId2" cstate="print"/>
+          <a:srcRect/>
+          <a:stretch>
+            <a:fillRect/>
+          </a:stretch>
+        </p:blipFill>
+        <p:spPr bwMode="auto">
+          <a:xfrm>
+            <a:off x="0" y="0"/>
+            <a:ext cx="9186988" cy="6858000"/>
+          </a:xfrm>
+          <a:prstGeom prst="rect">
+            <a:avLst/>
+          </a:prstGeom>
+          <a:noFill/>
+          <a:ln w="9525">
+            <a:noFill/>
+            <a:miter lim="800000"/>
+            <a:headEnd/>
+            <a:tailEnd/>
+          </a:ln>
+        </p:spPr>
+      </p:pic>
+    </p:spTree>
+  </p:cSld>
+  <p:clrMapOvr>
+    <a:masterClrMapping/>
+  </p:clrMapOvr>
+</p:sld>
+</file>
+
+<file path=ppt/slides/slide9.xml><?xml version="1.0" encoding="utf-8"?>
+<p:sld xmlns:a="http://schemas.openxmlformats.org/drawingml/2006/main" xmlns:r="http://schemas.openxmlformats.org/officeDocument/2006/relationships" xmlns:p="http://schemas.openxmlformats.org/presentationml/2006/main">
+  <p:cSld>
+    <p:spTree>
+      <p:nvGrpSpPr>
+        <p:cNvPr id="1" name=""/>
+        <p:cNvGrpSpPr/>
+        <p:nvPr/>
+      </p:nvGrpSpPr>
+      <p:grpSpPr>
+        <a:xfrm>
+          <a:off x="0" y="0"/>
+          <a:ext cx="0" cy="0"/>
+          <a:chOff x="0" y="0"/>
+          <a:chExt cx="0" cy="0"/>
+        </a:xfrm>
+      </p:grpSpPr>
+      <p:sp>
+        <p:nvSpPr>
+          <p:cNvPr id="2" name="Заголовок 1"/>
+          <p:cNvSpPr>
+            <a:spLocks noGrp="1"/>
+          </p:cNvSpPr>
+          <p:nvPr>
+            <p:ph type="title"/>
+          </p:nvPr>
+        </p:nvSpPr>
+        <p:spPr/>
+        <p:txBody>
+          <a:bodyPr/>
+          <a:lstStyle/>
+          <a:p>
+            <a:endParaRPr lang="ru-RU"/>
+          </a:p>
+        </p:txBody>
+      </p:sp>
+      <p:sp>
+        <p:nvSpPr>
+          <p:cNvPr id="3" name="Содержимое 2"/>
+          <p:cNvSpPr>
+            <a:spLocks noGrp="1"/>
+          </p:cNvSpPr>
+          <p:nvPr>
+            <p:ph idx="1"/>
+          </p:nvPr>
+        </p:nvSpPr>
+        <p:spPr/>
+        <p:txBody>
+          <a:bodyPr/>
+          <a:lstStyle/>
+          <a:p>
+            <a:endParaRPr lang="ru-RU"/>
+          </a:p>
+        </p:txBody>
+      </p:sp>
+      <p:sp>
+        <p:nvSpPr>
+          <p:cNvPr id="4" name="Номер слайда 3"/>
+          <p:cNvSpPr>
+            <a:spLocks noGrp="1"/>
+          </p:cNvSpPr>
+          <p:nvPr>
+            <p:ph type="sldNum" sz="quarter" idx="12"/>
+          </p:nvPr>
+        </p:nvSpPr>
+        <p:spPr/>
+        <p:txBody>
+          <a:bodyPr/>
+          <a:lstStyle/>
+          <a:p>
+            <a:fld id="{0EC1B211-457E-4361-983F-013AFA25B34F}" type="slidenum">
+              <a:rPr lang="ru-RU" smtClean="0"/>
+              <a:pPr/>
+              <a:t>9</a:t>
+            </a:fld>
+            <a:endParaRPr lang="ru-RU"/>
+          </a:p>
+        </p:txBody>
+      </p:sp>
+      <p:pic>
+        <p:nvPicPr>
+          <p:cNvPr id="4098" name="Picture 2"/>
+          <p:cNvPicPr>
+            <a:picLocks noChangeAspect="1" noChangeArrowheads="1"/>
+          </p:cNvPicPr>
+          <p:nvPr/>
+        </p:nvPicPr>
+        <p:blipFill>
+          <a:blip r:embed="rId2" cstate="print"/>
+          <a:srcRect/>
+          <a:stretch>
+            <a:fillRect/>
+          </a:stretch>
+        </p:blipFill>
+        <p:spPr bwMode="auto">
+          <a:xfrm>
+            <a:off x="0" y="0"/>
+            <a:ext cx="9138617" cy="6858000"/>
+          </a:xfrm>
+          <a:prstGeom prst="rect">
+            <a:avLst/>
+          </a:prstGeom>
+          <a:noFill/>
+          <a:ln w="9525">
+            <a:noFill/>
+            <a:miter lim="800000"/>
+            <a:headEnd/>
+            <a:tailEnd/>
+          </a:ln>
+        </p:spPr>
+      </p:pic>
     </p:spTree>
   </p:cSld>
   <p:clrMapOvr>

--- a/diplom/презентация к отчету.pptx
+++ b/diplom/презентация к отчету.pptx
@@ -163,9 +163,9 @@
           <c:xMode val="edge"/>
           <c:yMode val="edge"/>
           <c:x val="1.6696397532890622E-2"/>
-          <c:y val="0.24731418731252092"/>
-          <c:w val="0.46171437940587251"/>
-          <c:h val="0.63613981162586886"/>
+          <c:y val="0.24731418731252097"/>
+          <c:w val="0.46171437940587257"/>
+          <c:h val="0.63613981162586908"/>
         </c:manualLayout>
       </c:layout>
       <c:pieChart>
@@ -231,10 +231,10 @@
         <c:manualLayout>
           <c:xMode val="edge"/>
           <c:yMode val="edge"/>
-          <c:x val="0.49795856015998241"/>
-          <c:y val="0.26828827962204754"/>
-          <c:w val="0.47075011378664022"/>
-          <c:h val="0.61617777725816658"/>
+          <c:x val="0.49795856015998252"/>
+          <c:y val="0.26828827962204765"/>
+          <c:w val="0.47075011378664028"/>
+          <c:h val="0.6161777772581668"/>
         </c:manualLayout>
       </c:layout>
     </c:legend>
@@ -353,25 +353,25 @@
             </c:numRef>
           </c:val>
         </c:ser>
-        <c:axId val="115932160"/>
-        <c:axId val="118424320"/>
+        <c:axId val="73439104"/>
+        <c:axId val="73440640"/>
       </c:barChart>
       <c:catAx>
-        <c:axId val="115932160"/>
+        <c:axId val="73439104"/>
         <c:scaling>
           <c:orientation val="minMax"/>
         </c:scaling>
         <c:axPos val="b"/>
         <c:numFmt formatCode="General" sourceLinked="1"/>
         <c:tickLblPos val="nextTo"/>
-        <c:crossAx val="118424320"/>
+        <c:crossAx val="73440640"/>
         <c:crosses val="autoZero"/>
         <c:auto val="1"/>
         <c:lblAlgn val="ctr"/>
         <c:lblOffset val="100"/>
       </c:catAx>
       <c:valAx>
-        <c:axId val="118424320"/>
+        <c:axId val="73440640"/>
         <c:scaling>
           <c:orientation val="minMax"/>
         </c:scaling>
@@ -379,7 +379,7 @@
         <c:majorGridlines/>
         <c:numFmt formatCode="General" sourceLinked="1"/>
         <c:tickLblPos val="nextTo"/>
-        <c:crossAx val="115932160"/>
+        <c:crossAx val="73439104"/>
         <c:crosses val="autoZero"/>
         <c:crossBetween val="between"/>
       </c:valAx>
@@ -3508,7 +3508,7 @@
             <a:fld id="{B50F778D-310F-475E-9065-D555319E7AF3}" type="datetimeFigureOut">
               <a:rPr lang="ru-RU" smtClean="0"/>
               <a:pPr/>
-              <a:t>08.05.2016</a:t>
+              <a:t>09.05.2016</a:t>
             </a:fld>
             <a:endParaRPr lang="ru-RU"/>
           </a:p>
@@ -3909,7 +3909,7 @@
             <a:fld id="{E88564FB-3C06-4767-A4C9-25F0048A8F50}" type="datetime1">
               <a:rPr lang="ru-RU" smtClean="0"/>
               <a:pPr/>
-              <a:t>08.05.2016</a:t>
+              <a:t>09.05.2016</a:t>
             </a:fld>
             <a:endParaRPr lang="ru-RU"/>
           </a:p>
@@ -4224,7 +4224,7 @@
             <a:fld id="{43BF4DBE-D7D0-4E1A-9DBE-A6E29511B4DF}" type="datetime1">
               <a:rPr lang="ru-RU" smtClean="0"/>
               <a:pPr/>
-              <a:t>08.05.2016</a:t>
+              <a:t>09.05.2016</a:t>
             </a:fld>
             <a:endParaRPr lang="ru-RU"/>
           </a:p>
@@ -4411,7 +4411,7 @@
             <a:fld id="{86A5C4CB-C049-4D0B-BA3C-D2B2C4588AA4}" type="datetime1">
               <a:rPr lang="ru-RU" smtClean="0"/>
               <a:pPr/>
-              <a:t>08.05.2016</a:t>
+              <a:t>09.05.2016</a:t>
             </a:fld>
             <a:endParaRPr lang="ru-RU"/>
           </a:p>
@@ -4588,7 +4588,7 @@
             <a:fld id="{B5B3BCC0-81F8-4BFB-A7CF-64058E23A4AC}" type="datetime1">
               <a:rPr lang="ru-RU" smtClean="0"/>
               <a:pPr/>
-              <a:t>08.05.2016</a:t>
+              <a:t>09.05.2016</a:t>
             </a:fld>
             <a:endParaRPr lang="ru-RU"/>
           </a:p>
@@ -4858,7 +4858,7 @@
             <a:fld id="{0123A61D-A991-4EBD-9BC2-62963864A1E1}" type="datetime1">
               <a:rPr lang="ru-RU" smtClean="0"/>
               <a:pPr/>
-              <a:t>08.05.2016</a:t>
+              <a:t>09.05.2016</a:t>
             </a:fld>
             <a:endParaRPr lang="ru-RU"/>
           </a:p>
@@ -5328,7 +5328,7 @@
             <a:fld id="{EBC28292-EEC6-48B6-8531-A930B1FBF08E}" type="datetime1">
               <a:rPr lang="ru-RU" smtClean="0"/>
               <a:pPr/>
-              <a:t>08.05.2016</a:t>
+              <a:t>09.05.2016</a:t>
             </a:fld>
             <a:endParaRPr lang="ru-RU"/>
           </a:p>
@@ -5819,7 +5819,7 @@
             <a:fld id="{D455BE1E-6477-4B75-AB6D-B4FCBF8F7353}" type="datetime1">
               <a:rPr lang="ru-RU" smtClean="0"/>
               <a:pPr/>
-              <a:t>08.05.2016</a:t>
+              <a:t>09.05.2016</a:t>
             </a:fld>
             <a:endParaRPr lang="ru-RU"/>
           </a:p>
@@ -5947,7 +5947,7 @@
             <a:fld id="{756DB545-5AAE-4662-94E0-A59A9D626458}" type="datetime1">
               <a:rPr lang="ru-RU" smtClean="0"/>
               <a:pPr/>
-              <a:t>08.05.2016</a:t>
+              <a:t>09.05.2016</a:t>
             </a:fld>
             <a:endParaRPr lang="ru-RU"/>
           </a:p>
@@ -6093,7 +6093,7 @@
             <a:fld id="{1FBE6603-A586-4219-B919-8A53BB1B20EC}" type="datetime1">
               <a:rPr lang="ru-RU" smtClean="0"/>
               <a:pPr/>
-              <a:t>08.05.2016</a:t>
+              <a:t>09.05.2016</a:t>
             </a:fld>
             <a:endParaRPr lang="ru-RU"/>
           </a:p>
@@ -6417,7 +6417,7 @@
             <a:fld id="{7276982A-A0B5-4DA4-975D-787CB93F4505}" type="datetime1">
               <a:rPr lang="ru-RU" smtClean="0"/>
               <a:pPr/>
-              <a:t>08.05.2016</a:t>
+              <a:t>09.05.2016</a:t>
             </a:fld>
             <a:endParaRPr lang="ru-RU"/>
           </a:p>
@@ -6553,7 +6553,7 @@
             <a:fld id="{02DC87C9-F69C-4C0C-9DBA-0E10D474DDD6}" type="datetime1">
               <a:rPr lang="ru-RU" smtClean="0"/>
               <a:pPr/>
-              <a:t>08.05.2016</a:t>
+              <a:t>09.05.2016</a:t>
             </a:fld>
             <a:endParaRPr lang="ru-RU"/>
           </a:p>
@@ -7336,7 +7336,7 @@
             <a:fld id="{971F65F4-F821-4FD1-9B7D-BC9DF92C8A4B}" type="datetime1">
               <a:rPr lang="ru-RU" smtClean="0"/>
               <a:pPr/>
-              <a:t>08.05.2016</a:t>
+              <a:t>09.05.2016</a:t>
             </a:fld>
             <a:endParaRPr lang="ru-RU"/>
           </a:p>
@@ -8711,21 +8711,13 @@
           <a:p>
             <a:r>
               <a:rPr lang="ru-RU" dirty="0" smtClean="0"/>
-              <a:t>САПР </a:t>
-            </a:r>
+              <a:t>САПР "КОМПАС" – применяется для разработки чертежей и моделей для изделий. </a:t>
+            </a:r>
+          </a:p>
+          <a:p>
             <a:r>
               <a:rPr lang="ru-RU" dirty="0" smtClean="0"/>
-              <a:t>"КОМПАС" – применяется для разработки чертежей и моделей для изделий. </a:t>
-            </a:r>
-          </a:p>
-          <a:p>
-            <a:r>
-              <a:rPr lang="ru-RU" dirty="0" smtClean="0"/>
-              <a:t>САПР </a:t>
-            </a:r>
-            <a:r>
-              <a:rPr lang="ru-RU" dirty="0" smtClean="0"/>
-              <a:t>"</a:t>
+              <a:t>САПР "</a:t>
             </a:r>
             <a:r>
               <a:rPr lang="en-US" dirty="0" smtClean="0"/>
@@ -8741,11 +8733,7 @@
             </a:r>
             <a:r>
               <a:rPr lang="ru-RU" dirty="0" smtClean="0"/>
-              <a:t>" – система используется для проектирования печатных </a:t>
-            </a:r>
-            <a:r>
-              <a:rPr lang="ru-RU" dirty="0" smtClean="0"/>
-              <a:t>плат</a:t>
+              <a:t>" – система используется для проектирования печатных плат</a:t>
             </a:r>
           </a:p>
           <a:p>
@@ -8767,11 +8755,7 @@
             </a:r>
             <a:r>
               <a:rPr lang="ru-RU" dirty="0" smtClean="0"/>
-              <a:t>применяется для </a:t>
-            </a:r>
-            <a:r>
-              <a:rPr lang="ru-RU" dirty="0" smtClean="0"/>
-              <a:t>различных экономических расчетов и создания необходимой отчетности</a:t>
+              <a:t>применяется для различных экономических расчетов и создания необходимой отчетности</a:t>
             </a:r>
           </a:p>
           <a:p>
@@ -8888,7 +8872,11 @@
           <a:p>
             <a:r>
               <a:rPr lang="ru-RU" dirty="0" smtClean="0"/>
-              <a:t>Недостаточная модель данных, не позволяющая корректно сформировать структуру изделия и сопроводительную документацию</a:t>
+              <a:t>Недостаточная </a:t>
+            </a:r>
+            <a:r>
+              <a:rPr lang="ru-RU" dirty="0" smtClean="0"/>
+              <a:t>модель данных, не позволяющая корректно сформировать структуру изделия и сопроводительную документацию</a:t>
             </a:r>
           </a:p>
           <a:p>
@@ -8900,16 +8888,26 @@
           <a:p>
             <a:r>
               <a:rPr lang="ru-RU" dirty="0" smtClean="0"/>
-              <a:t>Отсутствует синхронизация </a:t>
-            </a:r>
-            <a:r>
-              <a:rPr lang="ru-RU" dirty="0" err="1" smtClean="0"/>
-              <a:t>данныхв</a:t>
+              <a:t>Отсутствует </a:t>
             </a:r>
             <a:r>
               <a:rPr lang="ru-RU" dirty="0" smtClean="0"/>
-              <a:t> различных информационных системах</a:t>
-            </a:r>
+              <a:t>синхронизация </a:t>
+            </a:r>
+            <a:r>
+              <a:rPr lang="ru-RU" dirty="0" smtClean="0"/>
+              <a:t>данных в </a:t>
+            </a:r>
+            <a:r>
+              <a:rPr lang="ru-RU" dirty="0" smtClean="0"/>
+              <a:t>различных информационных </a:t>
+            </a:r>
+            <a:r>
+              <a:rPr lang="ru-RU" dirty="0" smtClean="0"/>
+              <a:t>системах</a:t>
+            </a:r>
+          </a:p>
+          <a:p>
             <a:endParaRPr lang="ru-RU" dirty="0"/>
           </a:p>
         </p:txBody>
@@ -8965,7 +8963,7 @@
       </p:grpSpPr>
       <p:sp>
         <p:nvSpPr>
-          <p:cNvPr id="2" name="Заголовок 1"/>
+          <p:cNvPr id="5" name="Заголовок 4"/>
           <p:cNvSpPr>
             <a:spLocks noGrp="1"/>
           </p:cNvSpPr>
@@ -8975,31 +8973,14 @@
         </p:nvSpPr>
         <p:spPr/>
         <p:txBody>
-          <a:bodyPr/>
+          <a:bodyPr>
+            <a:normAutofit fontScale="90000"/>
+          </a:bodyPr>
           <a:lstStyle/>
           <a:p>
-            <a:endParaRPr lang="ru-RU"/>
-          </a:p>
-        </p:txBody>
-      </p:sp>
-      <p:sp>
-        <p:nvSpPr>
-          <p:cNvPr id="3" name="Содержимое 2"/>
-          <p:cNvSpPr>
-            <a:spLocks noGrp="1"/>
-          </p:cNvSpPr>
-          <p:nvPr>
-            <p:ph idx="1"/>
-          </p:nvPr>
-        </p:nvSpPr>
-        <p:spPr/>
-        <p:txBody>
-          <a:bodyPr/>
-          <a:lstStyle/>
-          <a:p>
             <a:r>
               <a:rPr lang="ru-RU" dirty="0" smtClean="0"/>
-              <a:t>Вставь модель, как описано в докладе</a:t>
+              <a:t>Проведение конструкторских изменений</a:t>
             </a:r>
             <a:endParaRPr lang="ru-RU" dirty="0"/>
           </a:p>
@@ -9026,6 +9007,160 @@
               <a:t>15</a:t>
             </a:fld>
             <a:endParaRPr lang="ru-RU"/>
+          </a:p>
+        </p:txBody>
+      </p:sp>
+      <p:pic>
+        <p:nvPicPr>
+          <p:cNvPr id="1027" name="Picture 3"/>
+          <p:cNvPicPr>
+            <a:picLocks noChangeAspect="1" noChangeArrowheads="1"/>
+          </p:cNvPicPr>
+          <p:nvPr/>
+        </p:nvPicPr>
+        <p:blipFill>
+          <a:blip r:embed="rId2" cstate="print"/>
+          <a:srcRect/>
+          <a:stretch>
+            <a:fillRect/>
+          </a:stretch>
+        </p:blipFill>
+        <p:spPr bwMode="auto">
+          <a:xfrm>
+            <a:off x="1" y="1916832"/>
+            <a:ext cx="4471074" cy="3240360"/>
+          </a:xfrm>
+          <a:prstGeom prst="rect">
+            <a:avLst/>
+          </a:prstGeom>
+          <a:noFill/>
+          <a:ln w="9525">
+            <a:noFill/>
+            <a:miter lim="800000"/>
+            <a:headEnd/>
+            <a:tailEnd/>
+          </a:ln>
+        </p:spPr>
+      </p:pic>
+      <p:pic>
+        <p:nvPicPr>
+          <p:cNvPr id="1028" name="Picture 4"/>
+          <p:cNvPicPr>
+            <a:picLocks noChangeAspect="1" noChangeArrowheads="1"/>
+          </p:cNvPicPr>
+          <p:nvPr/>
+        </p:nvPicPr>
+        <p:blipFill>
+          <a:blip r:embed="rId3" cstate="print"/>
+          <a:srcRect/>
+          <a:stretch>
+            <a:fillRect/>
+          </a:stretch>
+        </p:blipFill>
+        <p:spPr bwMode="auto">
+          <a:xfrm>
+            <a:off x="4587795" y="2132856"/>
+            <a:ext cx="4556205" cy="2736304"/>
+          </a:xfrm>
+          <a:prstGeom prst="rect">
+            <a:avLst/>
+          </a:prstGeom>
+          <a:noFill/>
+          <a:ln w="9525">
+            <a:noFill/>
+            <a:miter lim="800000"/>
+            <a:headEnd/>
+            <a:tailEnd/>
+          </a:ln>
+        </p:spPr>
+      </p:pic>
+      <p:cxnSp>
+        <p:nvCxnSpPr>
+          <p:cNvPr id="12" name="Прямая соединительная линия 11"/>
+          <p:cNvCxnSpPr/>
+          <p:nvPr/>
+        </p:nvCxnSpPr>
+        <p:spPr>
+          <a:xfrm>
+            <a:off x="4572000" y="1628800"/>
+            <a:ext cx="0" cy="4824536"/>
+          </a:xfrm>
+          <a:prstGeom prst="line">
+            <a:avLst/>
+          </a:prstGeom>
+        </p:spPr>
+        <p:style>
+          <a:lnRef idx="1">
+            <a:schemeClr val="accent1"/>
+          </a:lnRef>
+          <a:fillRef idx="0">
+            <a:schemeClr val="accent1"/>
+          </a:fillRef>
+          <a:effectRef idx="0">
+            <a:schemeClr val="accent1"/>
+          </a:effectRef>
+          <a:fontRef idx="minor">
+            <a:schemeClr val="tx1"/>
+          </a:fontRef>
+        </p:style>
+      </p:cxnSp>
+      <p:sp>
+        <p:nvSpPr>
+          <p:cNvPr id="13" name="TextBox 12"/>
+          <p:cNvSpPr txBox="1"/>
+          <p:nvPr/>
+        </p:nvSpPr>
+        <p:spPr>
+          <a:xfrm>
+            <a:off x="1907704" y="1556792"/>
+            <a:ext cx="920445" cy="461665"/>
+          </a:xfrm>
+          <a:prstGeom prst="rect">
+            <a:avLst/>
+          </a:prstGeom>
+          <a:noFill/>
+        </p:spPr>
+        <p:txBody>
+          <a:bodyPr wrap="none" rtlCol="0">
+            <a:spAutoFit/>
+          </a:bodyPr>
+          <a:lstStyle/>
+          <a:p>
+            <a:r>
+              <a:rPr lang="ru-RU" sz="2400" b="1" dirty="0" smtClean="0"/>
+              <a:t>Было</a:t>
+            </a:r>
+            <a:endParaRPr lang="ru-RU" sz="2400" b="1" dirty="0"/>
+          </a:p>
+        </p:txBody>
+      </p:sp>
+      <p:sp>
+        <p:nvSpPr>
+          <p:cNvPr id="14" name="TextBox 13"/>
+          <p:cNvSpPr txBox="1"/>
+          <p:nvPr/>
+        </p:nvSpPr>
+        <p:spPr>
+          <a:xfrm>
+            <a:off x="6300192" y="1556792"/>
+            <a:ext cx="975973" cy="461665"/>
+          </a:xfrm>
+          <a:prstGeom prst="rect">
+            <a:avLst/>
+          </a:prstGeom>
+          <a:noFill/>
+        </p:spPr>
+        <p:txBody>
+          <a:bodyPr wrap="none" rtlCol="0">
+            <a:spAutoFit/>
+          </a:bodyPr>
+          <a:lstStyle/>
+          <a:p>
+            <a:r>
+              <a:rPr lang="ru-RU" sz="2400" b="1" dirty="0" smtClean="0"/>
+              <a:t>Стало</a:t>
+            </a:r>
+            <a:endParaRPr lang="ru-RU" sz="2400" b="1" dirty="0"/>
           </a:p>
         </p:txBody>
       </p:sp>
@@ -9056,7 +9191,7 @@
       </p:grpSpPr>
       <p:sp>
         <p:nvSpPr>
-          <p:cNvPr id="2" name="Заголовок 1"/>
+          <p:cNvPr id="5" name="Заголовок 4"/>
           <p:cNvSpPr>
             <a:spLocks noGrp="1"/>
           </p:cNvSpPr>
@@ -9069,33 +9204,314 @@
           <a:bodyPr/>
           <a:lstStyle/>
           <a:p>
-            <a:endParaRPr lang="ru-RU"/>
-          </a:p>
-        </p:txBody>
-      </p:sp>
-      <p:sp>
-        <p:nvSpPr>
-          <p:cNvPr id="3" name="Содержимое 2"/>
-          <p:cNvSpPr>
-            <a:spLocks noGrp="1"/>
-          </p:cNvSpPr>
-          <p:nvPr>
-            <p:ph idx="1"/>
-          </p:nvPr>
-        </p:nvSpPr>
-        <p:spPr/>
-        <p:txBody>
-          <a:bodyPr/>
-          <a:lstStyle/>
-          <a:p>
             <a:r>
               <a:rPr lang="ru-RU" dirty="0" smtClean="0"/>
-              <a:t>Вставь какую-нибудь картинку про состав изделия</a:t>
+              <a:t>Объектная модель </a:t>
+            </a:r>
+            <a:r>
+              <a:rPr lang="en-US" dirty="0" err="1" smtClean="0"/>
+              <a:t>Windchill</a:t>
             </a:r>
             <a:endParaRPr lang="ru-RU" dirty="0"/>
           </a:p>
         </p:txBody>
       </p:sp>
+      <p:graphicFrame>
+        <p:nvGraphicFramePr>
+          <p:cNvPr id="8" name="Содержимое 7"/>
+          <p:cNvGraphicFramePr>
+            <a:graphicFrameLocks noGrp="1"/>
+          </p:cNvGraphicFramePr>
+          <p:nvPr>
+            <p:ph sz="half" idx="1"/>
+          </p:nvPr>
+        </p:nvGraphicFramePr>
+        <p:xfrm>
+          <a:off x="1475656" y="1916832"/>
+          <a:ext cx="3657600" cy="640080"/>
+        </p:xfrm>
+        <a:graphic>
+          <a:graphicData uri="http://schemas.openxmlformats.org/drawingml/2006/table">
+            <a:tbl>
+              <a:tblPr firstRow="1" bandRow="1">
+                <a:tableStyleId>{5C22544A-7EE6-4342-B048-85BDC9FD1C3A}</a:tableStyleId>
+              </a:tblPr>
+              <a:tblGrid>
+                <a:gridCol w="1828800"/>
+                <a:gridCol w="1828800"/>
+              </a:tblGrid>
+              <a:tr h="370840">
+                <a:tc>
+                  <a:txBody>
+                    <a:bodyPr/>
+                    <a:lstStyle/>
+                    <a:p>
+                      <a:r>
+                        <a:rPr lang="ru-RU" dirty="0" smtClean="0"/>
+                        <a:t>Тип объекта</a:t>
+                      </a:r>
+                      <a:endParaRPr lang="ru-RU" dirty="0"/>
+                    </a:p>
+                  </a:txBody>
+                  <a:tcPr/>
+                </a:tc>
+                <a:tc>
+                  <a:txBody>
+                    <a:bodyPr/>
+                    <a:lstStyle/>
+                    <a:p>
+                      <a:pPr>
+                        <a:buFont typeface="Arial" pitchFamily="34" charset="0"/>
+                        <a:buChar char="•"/>
+                      </a:pPr>
+                      <a:r>
+                        <a:rPr lang="ru-RU" dirty="0" smtClean="0"/>
+                        <a:t>Агрегат</a:t>
+                      </a:r>
+                    </a:p>
+                    <a:p>
+                      <a:pPr>
+                        <a:buFont typeface="Arial" pitchFamily="34" charset="0"/>
+                        <a:buChar char="•"/>
+                      </a:pPr>
+                      <a:r>
+                        <a:rPr lang="ru-RU" dirty="0" smtClean="0"/>
+                        <a:t>Компонент</a:t>
+                      </a:r>
+                      <a:endParaRPr lang="ru-RU" dirty="0"/>
+                    </a:p>
+                  </a:txBody>
+                  <a:tcPr/>
+                </a:tc>
+              </a:tr>
+            </a:tbl>
+          </a:graphicData>
+        </a:graphic>
+      </p:graphicFrame>
+      <p:graphicFrame>
+        <p:nvGraphicFramePr>
+          <p:cNvPr id="7" name="Содержимое 6"/>
+          <p:cNvGraphicFramePr>
+            <a:graphicFrameLocks noGrp="1"/>
+          </p:cNvGraphicFramePr>
+          <p:nvPr>
+            <p:ph sz="half" idx="2"/>
+          </p:nvPr>
+        </p:nvGraphicFramePr>
+        <p:xfrm>
+          <a:off x="5292080" y="1916832"/>
+          <a:ext cx="3657600" cy="4114800"/>
+        </p:xfrm>
+        <a:graphic>
+          <a:graphicData uri="http://schemas.openxmlformats.org/drawingml/2006/table">
+            <a:tbl>
+              <a:tblPr firstRow="1" bandRow="1">
+                <a:tableStyleId>{5C22544A-7EE6-4342-B048-85BDC9FD1C3A}</a:tableStyleId>
+              </a:tblPr>
+              <a:tblGrid>
+                <a:gridCol w="1828800"/>
+                <a:gridCol w="1828800"/>
+              </a:tblGrid>
+              <a:tr h="370840">
+                <a:tc>
+                  <a:txBody>
+                    <a:bodyPr/>
+                    <a:lstStyle/>
+                    <a:p>
+                      <a:r>
+                        <a:rPr lang="ru-RU" dirty="0" smtClean="0"/>
+                        <a:t>Тип объекта</a:t>
+                      </a:r>
+                      <a:endParaRPr lang="ru-RU" dirty="0"/>
+                    </a:p>
+                  </a:txBody>
+                  <a:tcPr/>
+                </a:tc>
+                <a:tc>
+                  <a:txBody>
+                    <a:bodyPr/>
+                    <a:lstStyle/>
+                    <a:p>
+                      <a:pPr>
+                        <a:buFont typeface="Arial" pitchFamily="34" charset="0"/>
+                        <a:buChar char="•"/>
+                      </a:pPr>
+                      <a:r>
+                        <a:rPr lang="ru-RU" dirty="0" smtClean="0"/>
+                        <a:t>Деталь</a:t>
+                      </a:r>
+                    </a:p>
+                    <a:p>
+                      <a:pPr>
+                        <a:buFont typeface="Arial" pitchFamily="34" charset="0"/>
+                        <a:buChar char="•"/>
+                      </a:pPr>
+                      <a:r>
+                        <a:rPr lang="ru-RU" dirty="0" smtClean="0"/>
+                        <a:t>Заказ</a:t>
+                      </a:r>
+                    </a:p>
+                    <a:p>
+                      <a:pPr>
+                        <a:buFont typeface="Arial" pitchFamily="34" charset="0"/>
+                        <a:buChar char="•"/>
+                      </a:pPr>
+                      <a:r>
+                        <a:rPr lang="ru-RU" dirty="0" smtClean="0"/>
+                        <a:t>ТТП</a:t>
+                      </a:r>
+                    </a:p>
+                    <a:p>
+                      <a:pPr>
+                        <a:buFont typeface="Arial" pitchFamily="34" charset="0"/>
+                        <a:buChar char="•"/>
+                      </a:pPr>
+                      <a:r>
+                        <a:rPr lang="ru-RU" dirty="0" smtClean="0"/>
+                        <a:t>Электрический</a:t>
+                      </a:r>
+                      <a:r>
+                        <a:rPr lang="ru-RU" baseline="0" dirty="0" smtClean="0"/>
+                        <a:t> компонент</a:t>
+                      </a:r>
+                      <a:endParaRPr lang="ru-RU" dirty="0" smtClean="0"/>
+                    </a:p>
+                  </a:txBody>
+                  <a:tcPr/>
+                </a:tc>
+              </a:tr>
+              <a:tr h="370840">
+                <a:tc>
+                  <a:txBody>
+                    <a:bodyPr/>
+                    <a:lstStyle/>
+                    <a:p>
+                      <a:r>
+                        <a:rPr lang="ru-RU" dirty="0" smtClean="0"/>
+                        <a:t>Режим сборки</a:t>
+                      </a:r>
+                      <a:endParaRPr lang="ru-RU" dirty="0"/>
+                    </a:p>
+                  </a:txBody>
+                  <a:tcPr/>
+                </a:tc>
+                <a:tc>
+                  <a:txBody>
+                    <a:bodyPr/>
+                    <a:lstStyle/>
+                    <a:p>
+                      <a:pPr>
+                        <a:buFont typeface="Arial" pitchFamily="34" charset="0"/>
+                        <a:buChar char="•"/>
+                      </a:pPr>
+                      <a:r>
+                        <a:rPr lang="ru-RU" dirty="0" smtClean="0"/>
+                        <a:t>Сборка</a:t>
+                      </a:r>
+                    </a:p>
+                    <a:p>
+                      <a:pPr>
+                        <a:buFont typeface="Arial" pitchFamily="34" charset="0"/>
+                        <a:buChar char="•"/>
+                      </a:pPr>
+                      <a:r>
+                        <a:rPr lang="ru-RU" dirty="0" smtClean="0"/>
+                        <a:t>Неразборный</a:t>
+                      </a:r>
+                    </a:p>
+                    <a:p>
+                      <a:pPr>
+                        <a:buFont typeface="Arial" pitchFamily="34" charset="0"/>
+                        <a:buChar char="•"/>
+                      </a:pPr>
+                      <a:r>
+                        <a:rPr lang="ru-RU" dirty="0" smtClean="0"/>
+                        <a:t>Компонент</a:t>
+                      </a:r>
+                      <a:endParaRPr lang="ru-RU" dirty="0"/>
+                    </a:p>
+                  </a:txBody>
+                  <a:tcPr/>
+                </a:tc>
+              </a:tr>
+              <a:tr h="370840">
+                <a:tc>
+                  <a:txBody>
+                    <a:bodyPr/>
+                    <a:lstStyle/>
+                    <a:p>
+                      <a:r>
+                        <a:rPr lang="ru-RU" dirty="0" smtClean="0"/>
+                        <a:t>Раздел спецификации</a:t>
+                      </a:r>
+                      <a:endParaRPr lang="ru-RU" dirty="0"/>
+                    </a:p>
+                  </a:txBody>
+                  <a:tcPr/>
+                </a:tc>
+                <a:tc>
+                  <a:txBody>
+                    <a:bodyPr/>
+                    <a:lstStyle/>
+                    <a:p>
+                      <a:pPr>
+                        <a:buFont typeface="Arial" pitchFamily="34" charset="0"/>
+                        <a:buChar char="•"/>
+                      </a:pPr>
+                      <a:r>
+                        <a:rPr lang="ru-RU" dirty="0" smtClean="0"/>
+                        <a:t>Сборочная единица</a:t>
+                      </a:r>
+                    </a:p>
+                    <a:p>
+                      <a:pPr>
+                        <a:buFont typeface="Arial" pitchFamily="34" charset="0"/>
+                        <a:buChar char="•"/>
+                      </a:pPr>
+                      <a:r>
+                        <a:rPr lang="ru-RU" dirty="0" smtClean="0"/>
+                        <a:t>Деталь</a:t>
+                      </a:r>
+                    </a:p>
+                    <a:p>
+                      <a:pPr>
+                        <a:buFont typeface="Arial" pitchFamily="34" charset="0"/>
+                        <a:buChar char="•"/>
+                      </a:pPr>
+                      <a:r>
+                        <a:rPr lang="ru-RU" dirty="0" smtClean="0"/>
+                        <a:t>Прочее</a:t>
+                      </a:r>
+                    </a:p>
+                    <a:p>
+                      <a:pPr>
+                        <a:buFont typeface="Arial" pitchFamily="34" charset="0"/>
+                        <a:buChar char="•"/>
+                      </a:pPr>
+                      <a:r>
+                        <a:rPr lang="ru-RU" dirty="0" smtClean="0"/>
+                        <a:t>Материал</a:t>
+                      </a:r>
+                    </a:p>
+                    <a:p>
+                      <a:pPr>
+                        <a:buFont typeface="Arial" pitchFamily="34" charset="0"/>
+                        <a:buChar char="•"/>
+                      </a:pPr>
+                      <a:r>
+                        <a:rPr lang="ru-RU" dirty="0" smtClean="0"/>
+                        <a:t>Комплект</a:t>
+                      </a:r>
+                      <a:endParaRPr lang="ru-RU" dirty="0"/>
+                    </a:p>
+                  </a:txBody>
+                  <a:tcPr/>
+                </a:tc>
+              </a:tr>
+            </a:tbl>
+          </a:graphicData>
+        </a:graphic>
+      </p:graphicFrame>
       <p:sp>
         <p:nvSpPr>
           <p:cNvPr id="4" name="Номер слайда 3"/>
@@ -9117,6 +9533,66 @@
               <a:t>16</a:t>
             </a:fld>
             <a:endParaRPr lang="ru-RU"/>
+          </a:p>
+        </p:txBody>
+      </p:sp>
+      <p:sp>
+        <p:nvSpPr>
+          <p:cNvPr id="9" name="TextBox 8"/>
+          <p:cNvSpPr txBox="1"/>
+          <p:nvPr/>
+        </p:nvSpPr>
+        <p:spPr>
+          <a:xfrm>
+            <a:off x="2843808" y="1412776"/>
+            <a:ext cx="920445" cy="461665"/>
+          </a:xfrm>
+          <a:prstGeom prst="rect">
+            <a:avLst/>
+          </a:prstGeom>
+          <a:noFill/>
+        </p:spPr>
+        <p:txBody>
+          <a:bodyPr wrap="none" rtlCol="0">
+            <a:spAutoFit/>
+          </a:bodyPr>
+          <a:lstStyle/>
+          <a:p>
+            <a:r>
+              <a:rPr lang="ru-RU" sz="2400" b="1" dirty="0" smtClean="0"/>
+              <a:t>Было</a:t>
+            </a:r>
+            <a:endParaRPr lang="ru-RU" sz="2400" b="1" dirty="0"/>
+          </a:p>
+        </p:txBody>
+      </p:sp>
+      <p:sp>
+        <p:nvSpPr>
+          <p:cNvPr id="10" name="TextBox 9"/>
+          <p:cNvSpPr txBox="1"/>
+          <p:nvPr/>
+        </p:nvSpPr>
+        <p:spPr>
+          <a:xfrm>
+            <a:off x="6588224" y="1412776"/>
+            <a:ext cx="975973" cy="461665"/>
+          </a:xfrm>
+          <a:prstGeom prst="rect">
+            <a:avLst/>
+          </a:prstGeom>
+          <a:noFill/>
+        </p:spPr>
+        <p:txBody>
+          <a:bodyPr wrap="none" rtlCol="0">
+            <a:spAutoFit/>
+          </a:bodyPr>
+          <a:lstStyle/>
+          <a:p>
+            <a:r>
+              <a:rPr lang="ru-RU" sz="2400" b="1" dirty="0" smtClean="0"/>
+              <a:t>Стало</a:t>
+            </a:r>
+            <a:endParaRPr lang="ru-RU" sz="2400" b="1" dirty="0"/>
           </a:p>
         </p:txBody>
       </p:sp>
@@ -9166,29 +9642,6 @@
       </p:sp>
       <p:sp>
         <p:nvSpPr>
-          <p:cNvPr id="3" name="Содержимое 2"/>
-          <p:cNvSpPr>
-            <a:spLocks noGrp="1"/>
-          </p:cNvSpPr>
-          <p:nvPr>
-            <p:ph idx="1"/>
-          </p:nvPr>
-        </p:nvSpPr>
-        <p:spPr/>
-        <p:txBody>
-          <a:bodyPr/>
-          <a:lstStyle/>
-          <a:p>
-            <a:r>
-              <a:rPr lang="ru-RU" dirty="0" smtClean="0"/>
-              <a:t>Схема синхронизации составов изделия</a:t>
-            </a:r>
-            <a:endParaRPr lang="ru-RU" dirty="0"/>
-          </a:p>
-        </p:txBody>
-      </p:sp>
-      <p:sp>
-        <p:nvSpPr>
           <p:cNvPr id="4" name="Номер слайда 3"/>
           <p:cNvSpPr>
             <a:spLocks noGrp="1"/>
@@ -9211,6 +9664,57 @@
           </a:p>
         </p:txBody>
       </p:sp>
+      <p:sp>
+        <p:nvSpPr>
+          <p:cNvPr id="5" name="Содержимое 4"/>
+          <p:cNvSpPr>
+            <a:spLocks noGrp="1"/>
+          </p:cNvSpPr>
+          <p:nvPr>
+            <p:ph idx="1"/>
+          </p:nvPr>
+        </p:nvSpPr>
+        <p:spPr/>
+        <p:txBody>
+          <a:bodyPr/>
+          <a:lstStyle/>
+          <a:p>
+            <a:endParaRPr lang="ru-RU"/>
+          </a:p>
+        </p:txBody>
+      </p:sp>
+      <p:pic>
+        <p:nvPicPr>
+          <p:cNvPr id="2051" name="Picture 3"/>
+          <p:cNvPicPr>
+            <a:picLocks noChangeAspect="1" noChangeArrowheads="1"/>
+          </p:cNvPicPr>
+          <p:nvPr/>
+        </p:nvPicPr>
+        <p:blipFill>
+          <a:blip r:embed="rId2" cstate="print"/>
+          <a:srcRect/>
+          <a:stretch>
+            <a:fillRect/>
+          </a:stretch>
+        </p:blipFill>
+        <p:spPr bwMode="auto">
+          <a:xfrm>
+            <a:off x="0" y="0"/>
+            <a:ext cx="9124950" cy="6858000"/>
+          </a:xfrm>
+          <a:prstGeom prst="rect">
+            <a:avLst/>
+          </a:prstGeom>
+          <a:noFill/>
+          <a:ln w="9525">
+            <a:noFill/>
+            <a:miter lim="800000"/>
+            <a:headEnd/>
+            <a:tailEnd/>
+          </a:ln>
+        </p:spPr>
+      </p:pic>
     </p:spTree>
   </p:cSld>
   <p:clrMapOvr>
@@ -9251,7 +9755,11 @@
           <a:bodyPr/>
           <a:lstStyle/>
           <a:p>
-            <a:endParaRPr lang="ru-RU"/>
+            <a:r>
+              <a:rPr lang="ru-RU" dirty="0" smtClean="0"/>
+              <a:t>Выводы</a:t>
+            </a:r>
+            <a:endParaRPr lang="ru-RU" dirty="0"/>
           </a:p>
         </p:txBody>
       </p:sp>
@@ -9267,12 +9775,26 @@
         </p:nvSpPr>
         <p:spPr/>
         <p:txBody>
-          <a:bodyPr/>
+          <a:bodyPr>
+            <a:normAutofit fontScale="92500" lnSpcReduction="20000"/>
+          </a:bodyPr>
           <a:lstStyle/>
           <a:p>
             <a:r>
               <a:rPr lang="ru-RU" dirty="0" smtClean="0"/>
-              <a:t>Заключение</a:t>
+              <a:t>Разработан алгоритм внесения изменений в документации на проект, соответствующий требованиям ГОСТ на ЕСКД</a:t>
+            </a:r>
+          </a:p>
+          <a:p>
+            <a:r>
+              <a:rPr lang="ru-RU" dirty="0" smtClean="0"/>
+              <a:t>Разработана объектная модель, удовлетворяющая всем потребностям предприятия при автоматической обработке изделия и работе с документацией</a:t>
+            </a:r>
+          </a:p>
+          <a:p>
+            <a:r>
+              <a:rPr lang="ru-RU" dirty="0" smtClean="0"/>
+              <a:t>Разработана утилита синхронизации данных в разнородных информационных системах</a:t>
             </a:r>
             <a:endParaRPr lang="ru-RU" dirty="0"/>
           </a:p>
@@ -9913,11 +10435,7 @@
             </a:pPr>
             <a:r>
               <a:rPr lang="en-US" dirty="0" smtClean="0"/>
-              <a:t>		</a:t>
-            </a:r>
-            <a:r>
-              <a:rPr lang="en-US" dirty="0" smtClean="0"/>
-              <a:t> PTC </a:t>
+              <a:t>		 PTC </a:t>
             </a:r>
             <a:r>
               <a:rPr lang="en-US" dirty="0" err="1" smtClean="0"/>
@@ -9929,11 +10447,7 @@
             </a:r>
             <a:r>
               <a:rPr lang="ru-RU" dirty="0" smtClean="0"/>
-              <a:t>представляет </a:t>
-            </a:r>
-            <a:r>
-              <a:rPr lang="ru-RU" dirty="0" smtClean="0"/>
-              <a:t>собой современный инструмент для совместной работы пользователей на основе </a:t>
+              <a:t>представляет собой современный инструмент для совместной работы пользователей на основе </a:t>
             </a:r>
             <a:r>
               <a:rPr lang="ru-RU" dirty="0" err="1" smtClean="0"/>
@@ -9941,11 +10455,7 @@
             </a:r>
             <a:r>
               <a:rPr lang="ru-RU" dirty="0" smtClean="0"/>
-              <a:t>, и создана специально для обеспечения эффективной разработки и управления информацией об </a:t>
-            </a:r>
-            <a:r>
-              <a:rPr lang="ru-RU" dirty="0" smtClean="0"/>
-              <a:t>изделии. Система реализует следующие функции:</a:t>
+              <a:t>, и создана специально для обеспечения эффективной разработки и управления информацией об изделии. Система реализует следующие функции:</a:t>
             </a:r>
           </a:p>
           <a:p>
@@ -9959,11 +10469,7 @@
             <a:pPr lvl="0"/>
             <a:r>
               <a:rPr lang="ru-RU" dirty="0" smtClean="0"/>
-              <a:t>Хранение </a:t>
-            </a:r>
-            <a:r>
-              <a:rPr lang="ru-RU" dirty="0" smtClean="0"/>
-              <a:t>данных в защищенном хранилище и разграничение прав доступа;</a:t>
+              <a:t>Хранение данных в защищенном хранилище и разграничение прав доступа;</a:t>
             </a:r>
           </a:p>
           <a:p>
@@ -9986,7 +10492,6 @@
               <a:rPr lang="ru-RU" dirty="0" smtClean="0"/>
               <a:t>Возможность хранения всей истории проектирования и многое другое. </a:t>
             </a:r>
-            <a:endParaRPr lang="ru-RU" dirty="0" smtClean="0"/>
           </a:p>
           <a:p>
             <a:endParaRPr lang="ru-RU" dirty="0"/>

--- a/diplom/презентация к отчету.pptx
+++ b/diplom/презентация к отчету.pptx
@@ -163,9 +163,9 @@
           <c:xMode val="edge"/>
           <c:yMode val="edge"/>
           <c:x val="1.6696397532890622E-2"/>
-          <c:y val="0.24731418731252097"/>
-          <c:w val="0.46171437940587257"/>
-          <c:h val="0.63613981162586908"/>
+          <c:y val="0.24731418731252103"/>
+          <c:w val="0.46171437940587262"/>
+          <c:h val="0.6361398116258693"/>
         </c:manualLayout>
       </c:layout>
       <c:pieChart>
@@ -231,10 +231,10 @@
         <c:manualLayout>
           <c:xMode val="edge"/>
           <c:yMode val="edge"/>
-          <c:x val="0.49795856015998252"/>
-          <c:y val="0.26828827962204765"/>
-          <c:w val="0.47075011378664028"/>
-          <c:h val="0.6161777772581668"/>
+          <c:x val="0.49795856015998263"/>
+          <c:y val="0.26828827962204777"/>
+          <c:w val="0.47075011378664033"/>
+          <c:h val="0.61617777725816691"/>
         </c:manualLayout>
       </c:layout>
     </c:legend>
@@ -353,25 +353,25 @@
             </c:numRef>
           </c:val>
         </c:ser>
-        <c:axId val="73439104"/>
-        <c:axId val="73440640"/>
+        <c:axId val="95696384"/>
+        <c:axId val="95697920"/>
       </c:barChart>
       <c:catAx>
-        <c:axId val="73439104"/>
+        <c:axId val="95696384"/>
         <c:scaling>
           <c:orientation val="minMax"/>
         </c:scaling>
         <c:axPos val="b"/>
         <c:numFmt formatCode="General" sourceLinked="1"/>
         <c:tickLblPos val="nextTo"/>
-        <c:crossAx val="73440640"/>
+        <c:crossAx val="95697920"/>
         <c:crosses val="autoZero"/>
         <c:auto val="1"/>
         <c:lblAlgn val="ctr"/>
         <c:lblOffset val="100"/>
       </c:catAx>
       <c:valAx>
-        <c:axId val="73440640"/>
+        <c:axId val="95697920"/>
         <c:scaling>
           <c:orientation val="minMax"/>
         </c:scaling>
@@ -379,7 +379,7 @@
         <c:majorGridlines/>
         <c:numFmt formatCode="General" sourceLinked="1"/>
         <c:tickLblPos val="nextTo"/>
-        <c:crossAx val="73439104"/>
+        <c:crossAx val="95696384"/>
         <c:crosses val="autoZero"/>
         <c:crossBetween val="between"/>
       </c:valAx>
@@ -3508,7 +3508,7 @@
             <a:fld id="{B50F778D-310F-475E-9065-D555319E7AF3}" type="datetimeFigureOut">
               <a:rPr lang="ru-RU" smtClean="0"/>
               <a:pPr/>
-              <a:t>09.05.2016</a:t>
+              <a:t>10.05.2016</a:t>
             </a:fld>
             <a:endParaRPr lang="ru-RU"/>
           </a:p>
@@ -3909,7 +3909,7 @@
             <a:fld id="{E88564FB-3C06-4767-A4C9-25F0048A8F50}" type="datetime1">
               <a:rPr lang="ru-RU" smtClean="0"/>
               <a:pPr/>
-              <a:t>09.05.2016</a:t>
+              <a:t>10.05.2016</a:t>
             </a:fld>
             <a:endParaRPr lang="ru-RU"/>
           </a:p>
@@ -4224,7 +4224,7 @@
             <a:fld id="{43BF4DBE-D7D0-4E1A-9DBE-A6E29511B4DF}" type="datetime1">
               <a:rPr lang="ru-RU" smtClean="0"/>
               <a:pPr/>
-              <a:t>09.05.2016</a:t>
+              <a:t>10.05.2016</a:t>
             </a:fld>
             <a:endParaRPr lang="ru-RU"/>
           </a:p>
@@ -4411,7 +4411,7 @@
             <a:fld id="{86A5C4CB-C049-4D0B-BA3C-D2B2C4588AA4}" type="datetime1">
               <a:rPr lang="ru-RU" smtClean="0"/>
               <a:pPr/>
-              <a:t>09.05.2016</a:t>
+              <a:t>10.05.2016</a:t>
             </a:fld>
             <a:endParaRPr lang="ru-RU"/>
           </a:p>
@@ -4588,7 +4588,7 @@
             <a:fld id="{B5B3BCC0-81F8-4BFB-A7CF-64058E23A4AC}" type="datetime1">
               <a:rPr lang="ru-RU" smtClean="0"/>
               <a:pPr/>
-              <a:t>09.05.2016</a:t>
+              <a:t>10.05.2016</a:t>
             </a:fld>
             <a:endParaRPr lang="ru-RU"/>
           </a:p>
@@ -4858,7 +4858,7 @@
             <a:fld id="{0123A61D-A991-4EBD-9BC2-62963864A1E1}" type="datetime1">
               <a:rPr lang="ru-RU" smtClean="0"/>
               <a:pPr/>
-              <a:t>09.05.2016</a:t>
+              <a:t>10.05.2016</a:t>
             </a:fld>
             <a:endParaRPr lang="ru-RU"/>
           </a:p>
@@ -5328,7 +5328,7 @@
             <a:fld id="{EBC28292-EEC6-48B6-8531-A930B1FBF08E}" type="datetime1">
               <a:rPr lang="ru-RU" smtClean="0"/>
               <a:pPr/>
-              <a:t>09.05.2016</a:t>
+              <a:t>10.05.2016</a:t>
             </a:fld>
             <a:endParaRPr lang="ru-RU"/>
           </a:p>
@@ -5819,7 +5819,7 @@
             <a:fld id="{D455BE1E-6477-4B75-AB6D-B4FCBF8F7353}" type="datetime1">
               <a:rPr lang="ru-RU" smtClean="0"/>
               <a:pPr/>
-              <a:t>09.05.2016</a:t>
+              <a:t>10.05.2016</a:t>
             </a:fld>
             <a:endParaRPr lang="ru-RU"/>
           </a:p>
@@ -5947,7 +5947,7 @@
             <a:fld id="{756DB545-5AAE-4662-94E0-A59A9D626458}" type="datetime1">
               <a:rPr lang="ru-RU" smtClean="0"/>
               <a:pPr/>
-              <a:t>09.05.2016</a:t>
+              <a:t>10.05.2016</a:t>
             </a:fld>
             <a:endParaRPr lang="ru-RU"/>
           </a:p>
@@ -6093,7 +6093,7 @@
             <a:fld id="{1FBE6603-A586-4219-B919-8A53BB1B20EC}" type="datetime1">
               <a:rPr lang="ru-RU" smtClean="0"/>
               <a:pPr/>
-              <a:t>09.05.2016</a:t>
+              <a:t>10.05.2016</a:t>
             </a:fld>
             <a:endParaRPr lang="ru-RU"/>
           </a:p>
@@ -6417,7 +6417,7 @@
             <a:fld id="{7276982A-A0B5-4DA4-975D-787CB93F4505}" type="datetime1">
               <a:rPr lang="ru-RU" smtClean="0"/>
               <a:pPr/>
-              <a:t>09.05.2016</a:t>
+              <a:t>10.05.2016</a:t>
             </a:fld>
             <a:endParaRPr lang="ru-RU"/>
           </a:p>
@@ -6553,7 +6553,7 @@
             <a:fld id="{02DC87C9-F69C-4C0C-9DBA-0E10D474DDD6}" type="datetime1">
               <a:rPr lang="ru-RU" smtClean="0"/>
               <a:pPr/>
-              <a:t>09.05.2016</a:t>
+              <a:t>10.05.2016</a:t>
             </a:fld>
             <a:endParaRPr lang="ru-RU"/>
           </a:p>
@@ -7336,7 +7336,7 @@
             <a:fld id="{971F65F4-F821-4FD1-9B7D-BC9DF92C8A4B}" type="datetime1">
               <a:rPr lang="ru-RU" smtClean="0"/>
               <a:pPr/>
-              <a:t>09.05.2016</a:t>
+              <a:t>10.05.2016</a:t>
             </a:fld>
             <a:endParaRPr lang="ru-RU"/>
           </a:p>
@@ -8720,15 +8720,21 @@
               <a:t>САПР "</a:t>
             </a:r>
             <a:r>
-              <a:rPr lang="en-US" dirty="0" smtClean="0"/>
+              <a:rPr lang="en-US" dirty="0" smtClean="0">
+                <a:latin typeface="Corbel" pitchFamily="34" charset="0"/>
+              </a:rPr>
               <a:t>P</a:t>
             </a:r>
             <a:r>
-              <a:rPr lang="ru-RU" dirty="0" smtClean="0"/>
+              <a:rPr lang="ru-RU" dirty="0" smtClean="0">
+                <a:latin typeface="Corbel" pitchFamily="34" charset="0"/>
+              </a:rPr>
               <a:t>-</a:t>
             </a:r>
             <a:r>
-              <a:rPr lang="en-US" dirty="0" smtClean="0"/>
+              <a:rPr lang="en-US" dirty="0" smtClean="0">
+                <a:latin typeface="Corbel" pitchFamily="34" charset="0"/>
+              </a:rPr>
               <a:t>CAD</a:t>
             </a:r>
             <a:r>
@@ -8742,8 +8748,14 @@
               <a:t>1С:</a:t>
             </a:r>
             <a:r>
+              <a:rPr lang="en-US" dirty="0" smtClean="0">
+                <a:latin typeface="Corbel" pitchFamily="34" charset="0"/>
+              </a:rPr>
+              <a:t>ERP</a:t>
+            </a:r>
+            <a:r>
               <a:rPr lang="en-US" dirty="0" smtClean="0"/>
-              <a:t>ERP </a:t>
+              <a:t> </a:t>
             </a:r>
             <a:r>
               <a:rPr lang="ru" dirty="0" smtClean="0"/>
@@ -8872,11 +8884,7 @@
           <a:p>
             <a:r>
               <a:rPr lang="ru-RU" dirty="0" smtClean="0"/>
-              <a:t>Недостаточная </a:t>
-            </a:r>
-            <a:r>
-              <a:rPr lang="ru-RU" dirty="0" smtClean="0"/>
-              <a:t>модель данных, не позволяющая корректно сформировать структуру изделия и сопроводительную документацию</a:t>
+              <a:t>Недостаточная модель данных, не позволяющая корректно сформировать структуру изделия и сопроводительную документацию</a:t>
             </a:r>
           </a:p>
           <a:p>
@@ -8888,23 +8896,7 @@
           <a:p>
             <a:r>
               <a:rPr lang="ru-RU" dirty="0" smtClean="0"/>
-              <a:t>Отсутствует </a:t>
-            </a:r>
-            <a:r>
-              <a:rPr lang="ru-RU" dirty="0" smtClean="0"/>
-              <a:t>синхронизация </a:t>
-            </a:r>
-            <a:r>
-              <a:rPr lang="ru-RU" dirty="0" smtClean="0"/>
-              <a:t>данных в </a:t>
-            </a:r>
-            <a:r>
-              <a:rPr lang="ru-RU" dirty="0" smtClean="0"/>
-              <a:t>различных информационных </a:t>
-            </a:r>
-            <a:r>
-              <a:rPr lang="ru-RU" dirty="0" smtClean="0"/>
-              <a:t>системах</a:t>
+              <a:t>Отсутствует синхронизация данных в различных информационных системах</a:t>
             </a:r>
           </a:p>
           <a:p>
@@ -10354,6 +10346,44 @@
           <a:lstStyle/>
           <a:p>
             <a:endParaRPr lang="ru-RU"/>
+          </a:p>
+        </p:txBody>
+      </p:sp>
+      <p:sp>
+        <p:nvSpPr>
+          <p:cNvPr id="9" name="TextBox 8"/>
+          <p:cNvSpPr txBox="1"/>
+          <p:nvPr/>
+        </p:nvSpPr>
+        <p:spPr>
+          <a:xfrm>
+            <a:off x="5220072" y="1412776"/>
+            <a:ext cx="3904531" cy="757130"/>
+          </a:xfrm>
+          <a:prstGeom prst="rect">
+            <a:avLst/>
+          </a:prstGeom>
+          <a:noFill/>
+        </p:spPr>
+        <p:txBody>
+          <a:bodyPr wrap="none" rtlCol="0">
+            <a:spAutoFit/>
+          </a:bodyPr>
+          <a:lstStyle/>
+          <a:p>
+            <a:pPr algn="ctr"/>
+            <a:r>
+              <a:rPr lang="ru-RU" sz="2160" b="1" dirty="0" smtClean="0"/>
+              <a:t>Экономические показатели  </a:t>
+            </a:r>
+          </a:p>
+          <a:p>
+            <a:pPr algn="ctr"/>
+            <a:r>
+              <a:rPr lang="ru-RU" sz="2160" b="1" dirty="0" smtClean="0"/>
+              <a:t>за 2014 и 2015 года в млн. руб.</a:t>
+            </a:r>
+            <a:endParaRPr lang="ru-RU" sz="2160" b="1" dirty="0"/>
           </a:p>
         </p:txBody>
       </p:sp>
